--- a/0509分析報告.pptx
+++ b/0509分析報告.pptx
@@ -9,8 +9,9 @@
     <p:sldId id="268" r:id="rId3"/>
     <p:sldId id="263" r:id="rId4"/>
     <p:sldId id="271" r:id="rId5"/>
-    <p:sldId id="269" r:id="rId6"/>
-    <p:sldId id="270" r:id="rId7"/>
+    <p:sldId id="272" r:id="rId6"/>
+    <p:sldId id="269" r:id="rId7"/>
+    <p:sldId id="270" r:id="rId8"/>
   </p:sldIdLst>
   <p:sldSz cx="12192000" cy="6858000"/>
   <p:notesSz cx="6858000" cy="9144000"/>
@@ -1164,427 +1165,6 @@
       <dsp:cNvGrpSpPr/>
     </dsp:nvGrpSpPr>
     <dsp:grpSpPr/>
-    <dsp:sp modelId="{7D3D5F83-7493-49C8-8237-28C8AEB4998B}">
-      <dsp:nvSpPr>
-        <dsp:cNvPr id="0" name=""/>
-        <dsp:cNvSpPr/>
-      </dsp:nvSpPr>
-      <dsp:spPr>
-        <a:xfrm>
-          <a:off x="-4579392" y="-702136"/>
-          <a:ext cx="5455064" cy="5455064"/>
-        </a:xfrm>
-        <a:prstGeom prst="blockArc">
-          <a:avLst>
-            <a:gd name="adj1" fmla="val 18900000"/>
-            <a:gd name="adj2" fmla="val 2700000"/>
-            <a:gd name="adj3" fmla="val 396"/>
-          </a:avLst>
-        </a:prstGeom>
-        <a:noFill/>
-        <a:ln w="12700" cap="flat" cmpd="sng" algn="ctr">
-          <a:solidFill>
-            <a:schemeClr val="accent1">
-              <a:shade val="60000"/>
-              <a:hueOff val="0"/>
-              <a:satOff val="0"/>
-              <a:lumOff val="0"/>
-              <a:alphaOff val="0"/>
-            </a:schemeClr>
-          </a:solidFill>
-          <a:prstDash val="solid"/>
-        </a:ln>
-        <a:effectLst/>
-      </dsp:spPr>
-      <dsp:style>
-        <a:lnRef idx="2">
-          <a:scrgbClr r="0" g="0" b="0"/>
-        </a:lnRef>
-        <a:fillRef idx="0">
-          <a:scrgbClr r="0" g="0" b="0"/>
-        </a:fillRef>
-        <a:effectRef idx="0">
-          <a:scrgbClr r="0" g="0" b="0"/>
-        </a:effectRef>
-        <a:fontRef idx="minor"/>
-      </dsp:style>
-    </dsp:sp>
-    <dsp:sp modelId="{6BA62763-B6F7-45D4-A8EA-C7835E29138A}">
-      <dsp:nvSpPr>
-        <dsp:cNvPr id="0" name=""/>
-        <dsp:cNvSpPr/>
-      </dsp:nvSpPr>
-      <dsp:spPr>
-        <a:xfrm>
-          <a:off x="563172" y="405079"/>
-          <a:ext cx="9440249" cy="810158"/>
-        </a:xfrm>
-        <a:prstGeom prst="rect">
-          <a:avLst/>
-        </a:prstGeom>
-        <a:solidFill>
-          <a:schemeClr val="accent1">
-            <a:hueOff val="0"/>
-            <a:satOff val="0"/>
-            <a:lumOff val="0"/>
-            <a:alphaOff val="0"/>
-          </a:schemeClr>
-        </a:solidFill>
-        <a:ln w="12700" cap="flat" cmpd="sng" algn="ctr">
-          <a:solidFill>
-            <a:schemeClr val="lt1">
-              <a:hueOff val="0"/>
-              <a:satOff val="0"/>
-              <a:lumOff val="0"/>
-              <a:alphaOff val="0"/>
-            </a:schemeClr>
-          </a:solidFill>
-          <a:prstDash val="solid"/>
-        </a:ln>
-        <a:effectLst/>
-      </dsp:spPr>
-      <dsp:style>
-        <a:lnRef idx="2">
-          <a:scrgbClr r="0" g="0" b="0"/>
-        </a:lnRef>
-        <a:fillRef idx="1">
-          <a:scrgbClr r="0" g="0" b="0"/>
-        </a:fillRef>
-        <a:effectRef idx="0">
-          <a:scrgbClr r="0" g="0" b="0"/>
-        </a:effectRef>
-        <a:fontRef idx="minor">
-          <a:schemeClr val="lt1"/>
-        </a:fontRef>
-      </dsp:style>
-      <dsp:txBody>
-        <a:bodyPr spcFirstLastPara="0" vert="horz" wrap="square" lIns="643063" tIns="99060" rIns="99060" bIns="99060" numCol="1" spcCol="1270" anchor="ctr" anchorCtr="0">
-          <a:noAutofit/>
-        </a:bodyPr>
-        <a:lstStyle/>
-        <a:p>
-          <a:pPr lvl="0" algn="l" defTabSz="1733550" rtl="0">
-            <a:lnSpc>
-              <a:spcPct val="90000"/>
-            </a:lnSpc>
-            <a:spcBef>
-              <a:spcPct val="0"/>
-            </a:spcBef>
-            <a:spcAft>
-              <a:spcPct val="35000"/>
-            </a:spcAft>
-          </a:pPr>
-          <a:r>
-            <a:rPr lang="zh-TW" sz="3900" kern="1200" dirty="0" smtClean="0"/>
-            <a:t>功能</a:t>
-          </a:r>
-          <a:r>
-            <a:rPr lang="zh-TW" altLang="en-US" sz="3900" kern="1200" dirty="0" smtClean="0"/>
-            <a:t>分析</a:t>
-          </a:r>
-          <a:endParaRPr lang="zh-TW" sz="3900" kern="1200" dirty="0"/>
-        </a:p>
-      </dsp:txBody>
-      <dsp:txXfrm>
-        <a:off x="563172" y="405079"/>
-        <a:ext cx="9440249" cy="810158"/>
-      </dsp:txXfrm>
-    </dsp:sp>
-    <dsp:sp modelId="{0229D3A1-0FCE-4A5D-877C-5CBC696760D8}">
-      <dsp:nvSpPr>
-        <dsp:cNvPr id="0" name=""/>
-        <dsp:cNvSpPr/>
-      </dsp:nvSpPr>
-      <dsp:spPr>
-        <a:xfrm>
-          <a:off x="56823" y="303809"/>
-          <a:ext cx="1012698" cy="1012698"/>
-        </a:xfrm>
-        <a:prstGeom prst="ellipse">
-          <a:avLst/>
-        </a:prstGeom>
-        <a:solidFill>
-          <a:schemeClr val="lt1">
-            <a:hueOff val="0"/>
-            <a:satOff val="0"/>
-            <a:lumOff val="0"/>
-            <a:alphaOff val="0"/>
-          </a:schemeClr>
-        </a:solidFill>
-        <a:ln w="12700" cap="flat" cmpd="sng" algn="ctr">
-          <a:solidFill>
-            <a:schemeClr val="accent1">
-              <a:hueOff val="0"/>
-              <a:satOff val="0"/>
-              <a:lumOff val="0"/>
-              <a:alphaOff val="0"/>
-            </a:schemeClr>
-          </a:solidFill>
-          <a:prstDash val="solid"/>
-        </a:ln>
-        <a:effectLst/>
-      </dsp:spPr>
-      <dsp:style>
-        <a:lnRef idx="2">
-          <a:scrgbClr r="0" g="0" b="0"/>
-        </a:lnRef>
-        <a:fillRef idx="1">
-          <a:scrgbClr r="0" g="0" b="0"/>
-        </a:fillRef>
-        <a:effectRef idx="0">
-          <a:scrgbClr r="0" g="0" b="0"/>
-        </a:effectRef>
-        <a:fontRef idx="minor"/>
-      </dsp:style>
-    </dsp:sp>
-    <dsp:sp modelId="{768EC1CC-5680-4D37-B026-CBA14619DF38}">
-      <dsp:nvSpPr>
-        <dsp:cNvPr id="0" name=""/>
-        <dsp:cNvSpPr/>
-      </dsp:nvSpPr>
-      <dsp:spPr>
-        <a:xfrm>
-          <a:off x="857665" y="1620316"/>
-          <a:ext cx="9145756" cy="810158"/>
-        </a:xfrm>
-        <a:prstGeom prst="rect">
-          <a:avLst/>
-        </a:prstGeom>
-        <a:solidFill>
-          <a:schemeClr val="accent1">
-            <a:hueOff val="0"/>
-            <a:satOff val="0"/>
-            <a:lumOff val="0"/>
-            <a:alphaOff val="0"/>
-          </a:schemeClr>
-        </a:solidFill>
-        <a:ln w="12700" cap="flat" cmpd="sng" algn="ctr">
-          <a:solidFill>
-            <a:schemeClr val="lt1">
-              <a:hueOff val="0"/>
-              <a:satOff val="0"/>
-              <a:lumOff val="0"/>
-              <a:alphaOff val="0"/>
-            </a:schemeClr>
-          </a:solidFill>
-          <a:prstDash val="solid"/>
-        </a:ln>
-        <a:effectLst/>
-      </dsp:spPr>
-      <dsp:style>
-        <a:lnRef idx="2">
-          <a:scrgbClr r="0" g="0" b="0"/>
-        </a:lnRef>
-        <a:fillRef idx="1">
-          <a:scrgbClr r="0" g="0" b="0"/>
-        </a:fillRef>
-        <a:effectRef idx="0">
-          <a:scrgbClr r="0" g="0" b="0"/>
-        </a:effectRef>
-        <a:fontRef idx="minor">
-          <a:schemeClr val="lt1"/>
-        </a:fontRef>
-      </dsp:style>
-      <dsp:txBody>
-        <a:bodyPr spcFirstLastPara="0" vert="horz" wrap="square" lIns="643063" tIns="99060" rIns="99060" bIns="99060" numCol="1" spcCol="1270" anchor="ctr" anchorCtr="0">
-          <a:noAutofit/>
-        </a:bodyPr>
-        <a:lstStyle/>
-        <a:p>
-          <a:pPr lvl="0" algn="l" defTabSz="1733550" rtl="0">
-            <a:lnSpc>
-              <a:spcPct val="90000"/>
-            </a:lnSpc>
-            <a:spcBef>
-              <a:spcPct val="0"/>
-            </a:spcBef>
-            <a:spcAft>
-              <a:spcPct val="35000"/>
-            </a:spcAft>
-          </a:pPr>
-          <a:r>
-            <a:rPr lang="zh-TW" altLang="en-US" sz="3900" kern="1200" dirty="0" smtClean="0"/>
-            <a:t>資料流分析</a:t>
-          </a:r>
-          <a:endParaRPr lang="zh-TW" sz="3900" kern="1200" dirty="0"/>
-        </a:p>
-      </dsp:txBody>
-      <dsp:txXfrm>
-        <a:off x="857665" y="1620316"/>
-        <a:ext cx="9145756" cy="810158"/>
-      </dsp:txXfrm>
-    </dsp:sp>
-    <dsp:sp modelId="{52131880-396A-4CD4-A180-8ADB6698EB81}">
-      <dsp:nvSpPr>
-        <dsp:cNvPr id="0" name=""/>
-        <dsp:cNvSpPr/>
-      </dsp:nvSpPr>
-      <dsp:spPr>
-        <a:xfrm>
-          <a:off x="351316" y="1519047"/>
-          <a:ext cx="1012698" cy="1012698"/>
-        </a:xfrm>
-        <a:prstGeom prst="ellipse">
-          <a:avLst/>
-        </a:prstGeom>
-        <a:solidFill>
-          <a:schemeClr val="lt1">
-            <a:hueOff val="0"/>
-            <a:satOff val="0"/>
-            <a:lumOff val="0"/>
-            <a:alphaOff val="0"/>
-          </a:schemeClr>
-        </a:solidFill>
-        <a:ln w="12700" cap="flat" cmpd="sng" algn="ctr">
-          <a:solidFill>
-            <a:schemeClr val="accent1">
-              <a:hueOff val="0"/>
-              <a:satOff val="0"/>
-              <a:lumOff val="0"/>
-              <a:alphaOff val="0"/>
-            </a:schemeClr>
-          </a:solidFill>
-          <a:prstDash val="solid"/>
-        </a:ln>
-        <a:effectLst/>
-      </dsp:spPr>
-      <dsp:style>
-        <a:lnRef idx="2">
-          <a:scrgbClr r="0" g="0" b="0"/>
-        </a:lnRef>
-        <a:fillRef idx="1">
-          <a:scrgbClr r="0" g="0" b="0"/>
-        </a:fillRef>
-        <a:effectRef idx="0">
-          <a:scrgbClr r="0" g="0" b="0"/>
-        </a:effectRef>
-        <a:fontRef idx="minor"/>
-      </dsp:style>
-    </dsp:sp>
-    <dsp:sp modelId="{B8F6F719-5776-4C88-B268-37CE6A670596}">
-      <dsp:nvSpPr>
-        <dsp:cNvPr id="0" name=""/>
-        <dsp:cNvSpPr/>
-      </dsp:nvSpPr>
-      <dsp:spPr>
-        <a:xfrm>
-          <a:off x="563172" y="2835554"/>
-          <a:ext cx="9440249" cy="810158"/>
-        </a:xfrm>
-        <a:prstGeom prst="rect">
-          <a:avLst/>
-        </a:prstGeom>
-        <a:solidFill>
-          <a:schemeClr val="accent1">
-            <a:hueOff val="0"/>
-            <a:satOff val="0"/>
-            <a:lumOff val="0"/>
-            <a:alphaOff val="0"/>
-          </a:schemeClr>
-        </a:solidFill>
-        <a:ln w="12700" cap="flat" cmpd="sng" algn="ctr">
-          <a:solidFill>
-            <a:schemeClr val="lt1">
-              <a:hueOff val="0"/>
-              <a:satOff val="0"/>
-              <a:lumOff val="0"/>
-              <a:alphaOff val="0"/>
-            </a:schemeClr>
-          </a:solidFill>
-          <a:prstDash val="solid"/>
-        </a:ln>
-        <a:effectLst/>
-      </dsp:spPr>
-      <dsp:style>
-        <a:lnRef idx="2">
-          <a:scrgbClr r="0" g="0" b="0"/>
-        </a:lnRef>
-        <a:fillRef idx="1">
-          <a:scrgbClr r="0" g="0" b="0"/>
-        </a:fillRef>
-        <a:effectRef idx="0">
-          <a:scrgbClr r="0" g="0" b="0"/>
-        </a:effectRef>
-        <a:fontRef idx="minor">
-          <a:schemeClr val="lt1"/>
-        </a:fontRef>
-      </dsp:style>
-      <dsp:txBody>
-        <a:bodyPr spcFirstLastPara="0" vert="horz" wrap="square" lIns="643063" tIns="99060" rIns="99060" bIns="99060" numCol="1" spcCol="1270" anchor="ctr" anchorCtr="0">
-          <a:noAutofit/>
-        </a:bodyPr>
-        <a:lstStyle/>
-        <a:p>
-          <a:pPr lvl="0" algn="l" defTabSz="1733550" rtl="0">
-            <a:lnSpc>
-              <a:spcPct val="90000"/>
-            </a:lnSpc>
-            <a:spcBef>
-              <a:spcPct val="0"/>
-            </a:spcBef>
-            <a:spcAft>
-              <a:spcPct val="35000"/>
-            </a:spcAft>
-          </a:pPr>
-          <a:r>
-            <a:rPr lang="zh-TW" altLang="en-US" sz="3900" kern="1200" dirty="0" smtClean="0"/>
-            <a:t>活動分析</a:t>
-          </a:r>
-          <a:endParaRPr lang="zh-TW" sz="3900" kern="1200" dirty="0"/>
-        </a:p>
-      </dsp:txBody>
-      <dsp:txXfrm>
-        <a:off x="563172" y="2835554"/>
-        <a:ext cx="9440249" cy="810158"/>
-      </dsp:txXfrm>
-    </dsp:sp>
-    <dsp:sp modelId="{A587B3AE-475F-4714-BC4A-7CFFBE2EC53C}">
-      <dsp:nvSpPr>
-        <dsp:cNvPr id="0" name=""/>
-        <dsp:cNvSpPr/>
-      </dsp:nvSpPr>
-      <dsp:spPr>
-        <a:xfrm>
-          <a:off x="56823" y="2734284"/>
-          <a:ext cx="1012698" cy="1012698"/>
-        </a:xfrm>
-        <a:prstGeom prst="ellipse">
-          <a:avLst/>
-        </a:prstGeom>
-        <a:solidFill>
-          <a:schemeClr val="lt1">
-            <a:hueOff val="0"/>
-            <a:satOff val="0"/>
-            <a:lumOff val="0"/>
-            <a:alphaOff val="0"/>
-          </a:schemeClr>
-        </a:solidFill>
-        <a:ln w="12700" cap="flat" cmpd="sng" algn="ctr">
-          <a:solidFill>
-            <a:schemeClr val="accent1">
-              <a:hueOff val="0"/>
-              <a:satOff val="0"/>
-              <a:lumOff val="0"/>
-              <a:alphaOff val="0"/>
-            </a:schemeClr>
-          </a:solidFill>
-          <a:prstDash val="solid"/>
-        </a:ln>
-        <a:effectLst/>
-      </dsp:spPr>
-      <dsp:style>
-        <a:lnRef idx="2">
-          <a:scrgbClr r="0" g="0" b="0"/>
-        </a:lnRef>
-        <a:fillRef idx="1">
-          <a:scrgbClr r="0" g="0" b="0"/>
-        </a:fillRef>
-        <a:effectRef idx="0">
-          <a:scrgbClr r="0" g="0" b="0"/>
-        </a:effectRef>
-        <a:fontRef idx="minor"/>
-      </dsp:style>
-    </dsp:sp>
   </dsp:spTree>
 </dsp:drawing>
 </file>
@@ -4304,7 +3884,7 @@
           <a:p>
             <a:fld id="{83284890-85D2-4D7B-8EF5-15A9C1DB8F42}" type="datetimeFigureOut">
               <a:rPr lang="en-US" dirty="0"/>
-              <a:t>5/9/2018</a:t>
+              <a:t>5/21/2018</a:t>
             </a:fld>
             <a:endParaRPr lang="en-US" dirty="0"/>
           </a:p>
@@ -4479,7 +4059,7 @@
           <a:p>
             <a:fld id="{87157CC2-0FC8-4686-B024-99790E0F5162}" type="datetimeFigureOut">
               <a:rPr lang="en-US" dirty="0"/>
-              <a:t>5/9/2018</a:t>
+              <a:t>5/21/2018</a:t>
             </a:fld>
             <a:endParaRPr lang="en-US" dirty="0"/>
           </a:p>
@@ -4654,7 +4234,7 @@
           <a:p>
             <a:fld id="{F6764DA5-CD3D-4590-A511-FCD3BC7A793E}" type="datetimeFigureOut">
               <a:rPr lang="en-US" dirty="0"/>
-              <a:t>5/9/2018</a:t>
+              <a:t>5/21/2018</a:t>
             </a:fld>
             <a:endParaRPr lang="en-US" dirty="0"/>
           </a:p>
@@ -4819,7 +4399,7 @@
           <a:p>
             <a:fld id="{82F5661D-6934-4B32-B92C-470368BF1EC6}" type="datetimeFigureOut">
               <a:rPr lang="en-US" dirty="0"/>
-              <a:t>5/9/2018</a:t>
+              <a:t>5/21/2018</a:t>
             </a:fld>
             <a:endParaRPr lang="en-US" dirty="0"/>
           </a:p>
@@ -5127,7 +4707,7 @@
           <a:p>
             <a:fld id="{C6F822A4-8DA6-4447-9B1F-C5DB58435268}" type="datetimeFigureOut">
               <a:rPr lang="en-US" dirty="0"/>
-              <a:t>5/9/2018</a:t>
+              <a:t>5/21/2018</a:t>
             </a:fld>
             <a:endParaRPr lang="en-US" dirty="0"/>
           </a:p>
@@ -5509,7 +5089,7 @@
           <a:p>
             <a:fld id="{E548D31E-DCDA-41A7-9C67-C4B11B94D21D}" type="datetimeFigureOut">
               <a:rPr lang="en-US" dirty="0"/>
-              <a:t>5/9/2018</a:t>
+              <a:t>5/21/2018</a:t>
             </a:fld>
             <a:endParaRPr lang="en-US" dirty="0"/>
           </a:p>
@@ -5938,7 +5518,7 @@
           <a:p>
             <a:fld id="{9B3762C0-B258-48F1-ADE6-176B4174CCDD}" type="datetimeFigureOut">
               <a:rPr lang="en-US" dirty="0"/>
-              <a:t>5/9/2018</a:t>
+              <a:t>5/21/2018</a:t>
             </a:fld>
             <a:endParaRPr lang="en-US" dirty="0"/>
           </a:p>
@@ -6051,7 +5631,7 @@
           <a:p>
             <a:fld id="{677919A6-33EB-49BD-A62F-1FA56B9F9712}" type="datetimeFigureOut">
               <a:rPr lang="en-US" dirty="0"/>
-              <a:t>5/9/2018</a:t>
+              <a:t>5/21/2018</a:t>
             </a:fld>
             <a:endParaRPr lang="en-US" dirty="0"/>
           </a:p>
@@ -6141,7 +5721,7 @@
           <a:p>
             <a:fld id="{CA4E7D1B-D673-4CF6-8672-009D42ABD2A0}" type="datetimeFigureOut">
               <a:rPr lang="en-US" dirty="0"/>
-              <a:t>5/9/2018</a:t>
+              <a:t>5/21/2018</a:t>
             </a:fld>
             <a:endParaRPr lang="en-US" dirty="0"/>
           </a:p>
@@ -6486,7 +6066,7 @@
           <a:p>
             <a:fld id="{DA16AA21-1863-4931-97CB-99D0A168701B}" type="datetimeFigureOut">
               <a:rPr lang="en-US" dirty="0"/>
-              <a:t>5/9/2018</a:t>
+              <a:t>5/21/2018</a:t>
             </a:fld>
             <a:endParaRPr lang="en-US" dirty="0"/>
           </a:p>
@@ -6906,7 +6486,7 @@
           <a:p>
             <a:fld id="{3772C379-9A7C-4C87-A116-CBE9F58B04C5}" type="datetimeFigureOut">
               <a:rPr lang="en-US" dirty="0"/>
-              <a:t>5/9/2018</a:t>
+              <a:t>5/21/2018</a:t>
             </a:fld>
             <a:endParaRPr lang="en-US" dirty="0"/>
           </a:p>
@@ -7182,7 +6762,7 @@
           <a:p>
             <a:fld id="{8664C608-40B1-4030-A28D-5B74BC98ADCE}" type="datetimeFigureOut">
               <a:rPr lang="en-US" dirty="0"/>
-              <a:t>5/9/2018</a:t>
+              <a:t>5/21/2018</a:t>
             </a:fld>
             <a:endParaRPr lang="en-US" dirty="0"/>
           </a:p>
@@ -7808,17 +7388,12 @@
             </a:r>
             <a:r>
               <a:rPr lang="zh-TW" altLang="en-US" dirty="0" smtClean="0"/>
-              <a:t>  </a:t>
-            </a:r>
-            <a:r>
-              <a:rPr lang="zh-TW" altLang="en-US" dirty="0" smtClean="0"/>
-              <a:t>陳朝烈  </a:t>
+              <a:t>  陳朝烈  </a:t>
             </a:r>
             <a:r>
               <a:rPr lang="en-US" altLang="zh-TW" dirty="0" smtClean="0"/>
               <a:t>analysis </a:t>
             </a:r>
-            <a:endParaRPr lang="en-US" altLang="zh-TW" dirty="0" smtClean="0"/>
           </a:p>
           <a:p>
             <a:r>
@@ -10700,35 +10275,6 @@
           <a:chExt cx="0" cy="0"/>
         </a:xfrm>
       </p:grpSpPr>
-      <p:pic>
-        <p:nvPicPr>
-          <p:cNvPr id="10" name="內容版面配置區 9"/>
-          <p:cNvPicPr>
-            <a:picLocks noGrp="1" noChangeAspect="1"/>
-          </p:cNvPicPr>
-          <p:nvPr>
-            <p:ph idx="1"/>
-          </p:nvPr>
-        </p:nvPicPr>
-        <p:blipFill>
-          <a:blip r:embed="rId2">
-            <a:extLst>
-              <a:ext uri="{28A0092B-C50C-407E-A947-70E740481C1C}">
-                <a14:useLocalDpi xmlns:a14="http://schemas.microsoft.com/office/drawing/2010/main" val="0"/>
-              </a:ext>
-            </a:extLst>
-          </a:blip>
-          <a:stretch>
-            <a:fillRect/>
-          </a:stretch>
-        </p:blipFill>
-        <p:spPr>
-          <a:xfrm>
-            <a:off x="161087" y="1820562"/>
-            <a:ext cx="11691356" cy="4777947"/>
-          </a:xfrm>
-        </p:spPr>
-      </p:pic>
       <p:grpSp>
         <p:nvGrpSpPr>
           <p:cNvPr id="4" name="群組 3"/>
@@ -10953,1018 +10499,35 @@
           </p:txBody>
         </p:sp>
       </p:grpSp>
-      <p:sp>
-        <p:nvSpPr>
-          <p:cNvPr id="11" name="矩形 10"/>
-          <p:cNvSpPr/>
-          <p:nvPr/>
-        </p:nvSpPr>
+      <p:pic>
+        <p:nvPicPr>
+          <p:cNvPr id="3" name="內容版面配置區 2"/>
+          <p:cNvPicPr>
+            <a:picLocks noGrp="1" noChangeAspect="1"/>
+          </p:cNvPicPr>
+          <p:nvPr>
+            <p:ph idx="1"/>
+          </p:nvPr>
+        </p:nvPicPr>
+        <p:blipFill>
+          <a:blip r:embed="rId2">
+            <a:extLst>
+              <a:ext uri="{28A0092B-C50C-407E-A947-70E740481C1C}">
+                <a14:useLocalDpi xmlns:a14="http://schemas.microsoft.com/office/drawing/2010/main" val="0"/>
+              </a:ext>
+            </a:extLst>
+          </a:blip>
+          <a:stretch>
+            <a:fillRect/>
+          </a:stretch>
+        </p:blipFill>
         <p:spPr>
           <a:xfrm>
-            <a:off x="2158314" y="2751438"/>
-            <a:ext cx="247135" cy="2965622"/>
+            <a:off x="608946" y="1653967"/>
+            <a:ext cx="11112000" cy="5019147"/>
           </a:xfrm>
-          <a:prstGeom prst="rect">
-            <a:avLst/>
-          </a:prstGeom>
         </p:spPr>
-        <p:style>
-          <a:lnRef idx="2">
-            <a:schemeClr val="accent1">
-              <a:shade val="50000"/>
-            </a:schemeClr>
-          </a:lnRef>
-          <a:fillRef idx="1">
-            <a:schemeClr val="accent1"/>
-          </a:fillRef>
-          <a:effectRef idx="0">
-            <a:schemeClr val="accent1"/>
-          </a:effectRef>
-          <a:fontRef idx="minor">
-            <a:schemeClr val="lt1"/>
-          </a:fontRef>
-        </p:style>
-        <p:txBody>
-          <a:bodyPr rtlCol="0" anchor="ctr"/>
-          <a:lstStyle/>
-          <a:p>
-            <a:pPr algn="ctr"/>
-            <a:r>
-              <a:rPr lang="en-US" altLang="zh-TW" dirty="0" smtClean="0"/>
-              <a:t>USB</a:t>
-            </a:r>
-          </a:p>
-          <a:p>
-            <a:pPr algn="ctr"/>
-            <a:endParaRPr lang="en-US" altLang="zh-TW" dirty="0"/>
-          </a:p>
-          <a:p>
-            <a:pPr algn="ctr"/>
-            <a:r>
-              <a:rPr lang="en-US" altLang="zh-TW" dirty="0" smtClean="0"/>
-              <a:t>HUB</a:t>
-            </a:r>
-            <a:endParaRPr lang="zh-TW" altLang="en-US" dirty="0"/>
-          </a:p>
-        </p:txBody>
-      </p:sp>
-      <p:sp>
-        <p:nvSpPr>
-          <p:cNvPr id="12" name="矩形 11"/>
-          <p:cNvSpPr/>
-          <p:nvPr/>
-        </p:nvSpPr>
-        <p:spPr>
-          <a:xfrm>
-            <a:off x="3954161" y="4258963"/>
-            <a:ext cx="671385" cy="259491"/>
-          </a:xfrm>
-          <a:prstGeom prst="rect">
-            <a:avLst/>
-          </a:prstGeom>
-        </p:spPr>
-        <p:style>
-          <a:lnRef idx="2">
-            <a:schemeClr val="accent1">
-              <a:shade val="50000"/>
-            </a:schemeClr>
-          </a:lnRef>
-          <a:fillRef idx="1">
-            <a:schemeClr val="accent1"/>
-          </a:fillRef>
-          <a:effectRef idx="0">
-            <a:schemeClr val="accent1"/>
-          </a:effectRef>
-          <a:fontRef idx="minor">
-            <a:schemeClr val="lt1"/>
-          </a:fontRef>
-        </p:style>
-        <p:txBody>
-          <a:bodyPr rtlCol="0" anchor="ctr"/>
-          <a:lstStyle/>
-          <a:p>
-            <a:pPr algn="ctr"/>
-            <a:r>
-              <a:rPr lang="en-US" altLang="zh-TW" dirty="0" smtClean="0"/>
-              <a:t>UDP</a:t>
-            </a:r>
-            <a:endParaRPr lang="zh-TW" altLang="en-US" dirty="0"/>
-          </a:p>
-        </p:txBody>
-      </p:sp>
-      <p:sp>
-        <p:nvSpPr>
-          <p:cNvPr id="13" name="文字方塊 12"/>
-          <p:cNvSpPr txBox="1"/>
-          <p:nvPr/>
-        </p:nvSpPr>
-        <p:spPr>
-          <a:xfrm>
-            <a:off x="1808205" y="2101334"/>
-            <a:ext cx="350109" cy="369332"/>
-          </a:xfrm>
-          <a:prstGeom prst="rect">
-            <a:avLst/>
-          </a:prstGeom>
-          <a:noFill/>
-        </p:spPr>
-        <p:txBody>
-          <a:bodyPr wrap="square" rtlCol="0">
-            <a:spAutoFit/>
-          </a:bodyPr>
-          <a:lstStyle/>
-          <a:p>
-            <a:r>
-              <a:rPr lang="en-US" altLang="zh-TW" dirty="0" smtClean="0"/>
-              <a:t>1.</a:t>
-            </a:r>
-            <a:endParaRPr lang="zh-TW" altLang="en-US" dirty="0"/>
-          </a:p>
-        </p:txBody>
-      </p:sp>
-      <p:sp>
-        <p:nvSpPr>
-          <p:cNvPr id="14" name="文字方塊 13"/>
-          <p:cNvSpPr txBox="1"/>
-          <p:nvPr/>
-        </p:nvSpPr>
-        <p:spPr>
-          <a:xfrm>
-            <a:off x="1583723" y="3670642"/>
-            <a:ext cx="350109" cy="369332"/>
-          </a:xfrm>
-          <a:prstGeom prst="rect">
-            <a:avLst/>
-          </a:prstGeom>
-          <a:noFill/>
-        </p:spPr>
-        <p:txBody>
-          <a:bodyPr wrap="square" rtlCol="0">
-            <a:spAutoFit/>
-          </a:bodyPr>
-          <a:lstStyle/>
-          <a:p>
-            <a:r>
-              <a:rPr lang="en-US" altLang="zh-TW" dirty="0" smtClean="0"/>
-              <a:t>1.</a:t>
-            </a:r>
-            <a:endParaRPr lang="zh-TW" altLang="en-US" dirty="0"/>
-          </a:p>
-        </p:txBody>
-      </p:sp>
-      <p:sp>
-        <p:nvSpPr>
-          <p:cNvPr id="15" name="文字方塊 14"/>
-          <p:cNvSpPr txBox="1"/>
-          <p:nvPr/>
-        </p:nvSpPr>
-        <p:spPr>
-          <a:xfrm>
-            <a:off x="1808204" y="5347728"/>
-            <a:ext cx="350109" cy="369332"/>
-          </a:xfrm>
-          <a:prstGeom prst="rect">
-            <a:avLst/>
-          </a:prstGeom>
-          <a:noFill/>
-        </p:spPr>
-        <p:txBody>
-          <a:bodyPr wrap="square" rtlCol="0">
-            <a:spAutoFit/>
-          </a:bodyPr>
-          <a:lstStyle/>
-          <a:p>
-            <a:r>
-              <a:rPr lang="en-US" altLang="zh-TW" dirty="0" smtClean="0"/>
-              <a:t>1.</a:t>
-            </a:r>
-            <a:endParaRPr lang="zh-TW" altLang="en-US" dirty="0"/>
-          </a:p>
-        </p:txBody>
-      </p:sp>
-      <p:sp>
-        <p:nvSpPr>
-          <p:cNvPr id="18" name="矩形 17"/>
-          <p:cNvSpPr/>
-          <p:nvPr/>
-        </p:nvSpPr>
-        <p:spPr>
-          <a:xfrm>
-            <a:off x="9815383" y="4258962"/>
-            <a:ext cx="671385" cy="259491"/>
-          </a:xfrm>
-          <a:prstGeom prst="rect">
-            <a:avLst/>
-          </a:prstGeom>
-        </p:spPr>
-        <p:style>
-          <a:lnRef idx="2">
-            <a:schemeClr val="accent1">
-              <a:shade val="50000"/>
-            </a:schemeClr>
-          </a:lnRef>
-          <a:fillRef idx="1">
-            <a:schemeClr val="accent1"/>
-          </a:fillRef>
-          <a:effectRef idx="0">
-            <a:schemeClr val="accent1"/>
-          </a:effectRef>
-          <a:fontRef idx="minor">
-            <a:schemeClr val="lt1"/>
-          </a:fontRef>
-        </p:style>
-        <p:txBody>
-          <a:bodyPr rtlCol="0" anchor="ctr"/>
-          <a:lstStyle/>
-          <a:p>
-            <a:pPr algn="ctr"/>
-            <a:r>
-              <a:rPr lang="en-US" altLang="zh-TW" dirty="0" smtClean="0"/>
-              <a:t>UDP</a:t>
-            </a:r>
-            <a:endParaRPr lang="zh-TW" altLang="en-US" dirty="0"/>
-          </a:p>
-        </p:txBody>
-      </p:sp>
-      <p:sp>
-        <p:nvSpPr>
-          <p:cNvPr id="19" name="文字方塊 18"/>
-          <p:cNvSpPr txBox="1"/>
-          <p:nvPr/>
-        </p:nvSpPr>
-        <p:spPr>
-          <a:xfrm>
-            <a:off x="4114798" y="3234036"/>
-            <a:ext cx="350109" cy="369332"/>
-          </a:xfrm>
-          <a:prstGeom prst="rect">
-            <a:avLst/>
-          </a:prstGeom>
-          <a:noFill/>
-        </p:spPr>
-        <p:txBody>
-          <a:bodyPr wrap="square" rtlCol="0">
-            <a:spAutoFit/>
-          </a:bodyPr>
-          <a:lstStyle/>
-          <a:p>
-            <a:r>
-              <a:rPr lang="en-US" altLang="zh-TW" dirty="0" smtClean="0"/>
-              <a:t>2.</a:t>
-            </a:r>
-            <a:endParaRPr lang="zh-TW" altLang="en-US" dirty="0"/>
-          </a:p>
-        </p:txBody>
-      </p:sp>
-      <p:sp>
-        <p:nvSpPr>
-          <p:cNvPr id="20" name="文字方塊 19"/>
-          <p:cNvSpPr txBox="1"/>
-          <p:nvPr/>
-        </p:nvSpPr>
-        <p:spPr>
-          <a:xfrm>
-            <a:off x="7420231" y="4307838"/>
-            <a:ext cx="350109" cy="369332"/>
-          </a:xfrm>
-          <a:prstGeom prst="rect">
-            <a:avLst/>
-          </a:prstGeom>
-          <a:noFill/>
-        </p:spPr>
-        <p:txBody>
-          <a:bodyPr wrap="square" rtlCol="0">
-            <a:spAutoFit/>
-          </a:bodyPr>
-          <a:lstStyle/>
-          <a:p>
-            <a:r>
-              <a:rPr lang="en-US" altLang="zh-TW" dirty="0"/>
-              <a:t>3</a:t>
-            </a:r>
-            <a:r>
-              <a:rPr lang="en-US" altLang="zh-TW" dirty="0" smtClean="0"/>
-              <a:t>.</a:t>
-            </a:r>
-            <a:endParaRPr lang="zh-TW" altLang="en-US" dirty="0"/>
-          </a:p>
-        </p:txBody>
-      </p:sp>
-      <p:sp>
-        <p:nvSpPr>
-          <p:cNvPr id="21" name="文字方塊 20"/>
-          <p:cNvSpPr txBox="1"/>
-          <p:nvPr/>
-        </p:nvSpPr>
-        <p:spPr>
-          <a:xfrm>
-            <a:off x="7420231" y="3681762"/>
-            <a:ext cx="350109" cy="369332"/>
-          </a:xfrm>
-          <a:prstGeom prst="rect">
-            <a:avLst/>
-          </a:prstGeom>
-          <a:noFill/>
-        </p:spPr>
-        <p:txBody>
-          <a:bodyPr wrap="square" rtlCol="0">
-            <a:spAutoFit/>
-          </a:bodyPr>
-          <a:lstStyle/>
-          <a:p>
-            <a:r>
-              <a:rPr lang="en-US" altLang="zh-TW" dirty="0"/>
-              <a:t>3</a:t>
-            </a:r>
-            <a:r>
-              <a:rPr lang="en-US" altLang="zh-TW" dirty="0" smtClean="0"/>
-              <a:t>.</a:t>
-            </a:r>
-            <a:endParaRPr lang="zh-TW" altLang="en-US" dirty="0"/>
-          </a:p>
-        </p:txBody>
-      </p:sp>
-      <p:sp>
-        <p:nvSpPr>
-          <p:cNvPr id="22" name="文字方塊 21"/>
-          <p:cNvSpPr txBox="1"/>
-          <p:nvPr/>
-        </p:nvSpPr>
-        <p:spPr>
-          <a:xfrm>
-            <a:off x="8437604" y="5744656"/>
-            <a:ext cx="350109" cy="369332"/>
-          </a:xfrm>
-          <a:prstGeom prst="rect">
-            <a:avLst/>
-          </a:prstGeom>
-          <a:noFill/>
-        </p:spPr>
-        <p:txBody>
-          <a:bodyPr wrap="square" rtlCol="0">
-            <a:spAutoFit/>
-          </a:bodyPr>
-          <a:lstStyle/>
-          <a:p>
-            <a:r>
-              <a:rPr lang="en-US" altLang="zh-TW" dirty="0" smtClean="0"/>
-              <a:t>4.</a:t>
-            </a:r>
-            <a:endParaRPr lang="zh-TW" altLang="en-US" dirty="0"/>
-          </a:p>
-        </p:txBody>
-      </p:sp>
-      <p:sp>
-        <p:nvSpPr>
-          <p:cNvPr id="24" name="文字方塊 23"/>
-          <p:cNvSpPr txBox="1"/>
-          <p:nvPr/>
-        </p:nvSpPr>
-        <p:spPr>
-          <a:xfrm>
-            <a:off x="8437603" y="2286000"/>
-            <a:ext cx="350109" cy="369332"/>
-          </a:xfrm>
-          <a:prstGeom prst="rect">
-            <a:avLst/>
-          </a:prstGeom>
-          <a:noFill/>
-        </p:spPr>
-        <p:txBody>
-          <a:bodyPr wrap="square" rtlCol="0">
-            <a:spAutoFit/>
-          </a:bodyPr>
-          <a:lstStyle/>
-          <a:p>
-            <a:r>
-              <a:rPr lang="en-US" altLang="zh-TW" dirty="0" smtClean="0"/>
-              <a:t>4.</a:t>
-            </a:r>
-            <a:endParaRPr lang="zh-TW" altLang="en-US" dirty="0"/>
-          </a:p>
-        </p:txBody>
-      </p:sp>
-      <p:sp>
-        <p:nvSpPr>
-          <p:cNvPr id="25" name="文字方塊 24"/>
-          <p:cNvSpPr txBox="1"/>
-          <p:nvPr/>
-        </p:nvSpPr>
-        <p:spPr>
-          <a:xfrm>
-            <a:off x="9976020" y="3485976"/>
-            <a:ext cx="350109" cy="369332"/>
-          </a:xfrm>
-          <a:prstGeom prst="rect">
-            <a:avLst/>
-          </a:prstGeom>
-          <a:noFill/>
-        </p:spPr>
-        <p:txBody>
-          <a:bodyPr wrap="square" rtlCol="0">
-            <a:spAutoFit/>
-          </a:bodyPr>
-          <a:lstStyle/>
-          <a:p>
-            <a:r>
-              <a:rPr lang="en-US" altLang="zh-TW" dirty="0" smtClean="0"/>
-              <a:t>5.</a:t>
-            </a:r>
-            <a:endParaRPr lang="zh-TW" altLang="en-US" dirty="0"/>
-          </a:p>
-        </p:txBody>
-      </p:sp>
-      <p:sp>
-        <p:nvSpPr>
-          <p:cNvPr id="26" name="文字方塊 25"/>
-          <p:cNvSpPr txBox="1"/>
-          <p:nvPr/>
-        </p:nvSpPr>
-        <p:spPr>
-          <a:xfrm>
-            <a:off x="448965" y="2800382"/>
-            <a:ext cx="735226" cy="307777"/>
-          </a:xfrm>
-          <a:prstGeom prst="rect">
-            <a:avLst/>
-          </a:prstGeom>
-          <a:solidFill>
-            <a:srgbClr val="FF0000"/>
-          </a:solidFill>
-        </p:spPr>
-        <p:txBody>
-          <a:bodyPr wrap="square" rtlCol="0">
-            <a:spAutoFit/>
-          </a:bodyPr>
-          <a:lstStyle/>
-          <a:p>
-            <a:endParaRPr lang="zh-TW" altLang="en-US" sz="1400" dirty="0"/>
-          </a:p>
-        </p:txBody>
-      </p:sp>
-      <p:sp>
-        <p:nvSpPr>
-          <p:cNvPr id="27" name="文字方塊 26"/>
-          <p:cNvSpPr txBox="1"/>
-          <p:nvPr/>
-        </p:nvSpPr>
-        <p:spPr>
-          <a:xfrm>
-            <a:off x="448965" y="4518453"/>
-            <a:ext cx="735226" cy="307777"/>
-          </a:xfrm>
-          <a:prstGeom prst="rect">
-            <a:avLst/>
-          </a:prstGeom>
-          <a:solidFill>
-            <a:srgbClr val="FF0000"/>
-          </a:solidFill>
-        </p:spPr>
-        <p:txBody>
-          <a:bodyPr wrap="square" rtlCol="0">
-            <a:spAutoFit/>
-          </a:bodyPr>
-          <a:lstStyle/>
-          <a:p>
-            <a:endParaRPr lang="zh-TW" altLang="en-US" sz="1400" dirty="0"/>
-          </a:p>
-        </p:txBody>
-      </p:sp>
-      <p:sp>
-        <p:nvSpPr>
-          <p:cNvPr id="28" name="文字方塊 27"/>
-          <p:cNvSpPr txBox="1"/>
-          <p:nvPr/>
-        </p:nvSpPr>
-        <p:spPr>
-          <a:xfrm>
-            <a:off x="448965" y="6236524"/>
-            <a:ext cx="735226" cy="307777"/>
-          </a:xfrm>
-          <a:prstGeom prst="rect">
-            <a:avLst/>
-          </a:prstGeom>
-          <a:solidFill>
-            <a:srgbClr val="FF0000"/>
-          </a:solidFill>
-        </p:spPr>
-        <p:txBody>
-          <a:bodyPr wrap="square" rtlCol="0">
-            <a:spAutoFit/>
-          </a:bodyPr>
-          <a:lstStyle/>
-          <a:p>
-            <a:endParaRPr lang="zh-TW" altLang="en-US" sz="1400" dirty="0"/>
-          </a:p>
-        </p:txBody>
-      </p:sp>
-      <p:sp>
-        <p:nvSpPr>
-          <p:cNvPr id="29" name="文字方塊 28"/>
-          <p:cNvSpPr txBox="1"/>
-          <p:nvPr/>
-        </p:nvSpPr>
-        <p:spPr>
-          <a:xfrm>
-            <a:off x="2702012" y="5311144"/>
-            <a:ext cx="1252150" cy="307777"/>
-          </a:xfrm>
-          <a:prstGeom prst="rect">
-            <a:avLst/>
-          </a:prstGeom>
-          <a:solidFill>
-            <a:srgbClr val="FF0000"/>
-          </a:solidFill>
-        </p:spPr>
-        <p:txBody>
-          <a:bodyPr wrap="square" rtlCol="0">
-            <a:spAutoFit/>
-          </a:bodyPr>
-          <a:lstStyle/>
-          <a:p>
-            <a:r>
-              <a:rPr lang="en-US" altLang="zh-TW" sz="1400" dirty="0" smtClean="0"/>
-              <a:t>Read CAM</a:t>
-            </a:r>
-            <a:endParaRPr lang="zh-TW" altLang="en-US" sz="1400" dirty="0"/>
-          </a:p>
-        </p:txBody>
-      </p:sp>
-      <p:cxnSp>
-        <p:nvCxnSpPr>
-          <p:cNvPr id="31" name="直線單箭頭接點 30"/>
-          <p:cNvCxnSpPr>
-            <a:endCxn id="29" idx="0"/>
-          </p:cNvCxnSpPr>
-          <p:nvPr/>
-        </p:nvCxnSpPr>
-        <p:spPr>
-          <a:xfrm>
-            <a:off x="3311611" y="4826230"/>
-            <a:ext cx="16476" cy="484914"/>
-          </a:xfrm>
-          <a:prstGeom prst="straightConnector1">
-            <a:avLst/>
-          </a:prstGeom>
-          <a:ln w="28575">
-            <a:prstDash val="dash"/>
-            <a:tailEnd type="triangle"/>
-          </a:ln>
-        </p:spPr>
-        <p:style>
-          <a:lnRef idx="1">
-            <a:schemeClr val="accent1"/>
-          </a:lnRef>
-          <a:fillRef idx="0">
-            <a:schemeClr val="accent1"/>
-          </a:fillRef>
-          <a:effectRef idx="0">
-            <a:schemeClr val="accent1"/>
-          </a:effectRef>
-          <a:fontRef idx="minor">
-            <a:schemeClr val="tx1"/>
-          </a:fontRef>
-        </p:style>
-      </p:cxnSp>
-      <p:sp>
-        <p:nvSpPr>
-          <p:cNvPr id="33" name="文字方塊 32"/>
-          <p:cNvSpPr txBox="1"/>
-          <p:nvPr/>
-        </p:nvSpPr>
-        <p:spPr>
-          <a:xfrm>
-            <a:off x="2438529" y="2286022"/>
-            <a:ext cx="634185" cy="523220"/>
-          </a:xfrm>
-          <a:prstGeom prst="rect">
-            <a:avLst/>
-          </a:prstGeom>
-          <a:solidFill>
-            <a:srgbClr val="FF0000"/>
-          </a:solidFill>
-        </p:spPr>
-        <p:txBody>
-          <a:bodyPr wrap="square" rtlCol="0">
-            <a:spAutoFit/>
-          </a:bodyPr>
-          <a:lstStyle/>
-          <a:p>
-            <a:r>
-              <a:rPr lang="en-US" altLang="zh-TW" sz="1400" dirty="0" smtClean="0"/>
-              <a:t>USB </a:t>
-            </a:r>
-          </a:p>
-          <a:p>
-            <a:r>
-              <a:rPr lang="en-US" altLang="zh-TW" sz="1400" dirty="0" smtClean="0"/>
-              <a:t>Host</a:t>
-            </a:r>
-            <a:endParaRPr lang="zh-TW" altLang="en-US" sz="1400" dirty="0"/>
-          </a:p>
-        </p:txBody>
-      </p:sp>
-      <p:sp>
-        <p:nvSpPr>
-          <p:cNvPr id="34" name="文字方塊 33"/>
-          <p:cNvSpPr txBox="1"/>
-          <p:nvPr/>
-        </p:nvSpPr>
-        <p:spPr>
-          <a:xfrm>
-            <a:off x="3373587" y="2286022"/>
-            <a:ext cx="634185" cy="307777"/>
-          </a:xfrm>
-          <a:prstGeom prst="rect">
-            <a:avLst/>
-          </a:prstGeom>
-          <a:solidFill>
-            <a:srgbClr val="FF0000"/>
-          </a:solidFill>
-        </p:spPr>
-        <p:txBody>
-          <a:bodyPr wrap="square" rtlCol="0">
-            <a:spAutoFit/>
-          </a:bodyPr>
-          <a:lstStyle/>
-          <a:p>
-            <a:r>
-              <a:rPr lang="en-US" altLang="zh-TW" sz="1400" dirty="0" smtClean="0"/>
-              <a:t>WIFI</a:t>
-            </a:r>
-            <a:endParaRPr lang="zh-TW" altLang="en-US" sz="1400" dirty="0"/>
-          </a:p>
-        </p:txBody>
-      </p:sp>
-      <p:sp>
-        <p:nvSpPr>
-          <p:cNvPr id="35" name="文字方塊 34"/>
-          <p:cNvSpPr txBox="1"/>
-          <p:nvPr/>
-        </p:nvSpPr>
-        <p:spPr>
-          <a:xfrm>
-            <a:off x="4608168" y="2885874"/>
-            <a:ext cx="729951" cy="307777"/>
-          </a:xfrm>
-          <a:prstGeom prst="rect">
-            <a:avLst/>
-          </a:prstGeom>
-          <a:solidFill>
-            <a:srgbClr val="FF0000"/>
-          </a:solidFill>
-        </p:spPr>
-        <p:txBody>
-          <a:bodyPr wrap="square" rtlCol="0">
-            <a:spAutoFit/>
-          </a:bodyPr>
-          <a:lstStyle/>
-          <a:p>
-            <a:r>
-              <a:rPr lang="en-US" altLang="zh-TW" sz="1400" dirty="0" smtClean="0"/>
-              <a:t>Socket</a:t>
-            </a:r>
-            <a:endParaRPr lang="zh-TW" altLang="en-US" sz="1400" dirty="0"/>
-          </a:p>
-        </p:txBody>
-      </p:sp>
-      <p:sp>
-        <p:nvSpPr>
-          <p:cNvPr id="36" name="文字方塊 35"/>
-          <p:cNvSpPr txBox="1"/>
-          <p:nvPr/>
-        </p:nvSpPr>
-        <p:spPr>
-          <a:xfrm>
-            <a:off x="5641789" y="2516542"/>
-            <a:ext cx="729951" cy="738664"/>
-          </a:xfrm>
-          <a:prstGeom prst="rect">
-            <a:avLst/>
-          </a:prstGeom>
-          <a:solidFill>
-            <a:srgbClr val="FF0000"/>
-          </a:solidFill>
-        </p:spPr>
-        <p:txBody>
-          <a:bodyPr wrap="square" rtlCol="0">
-            <a:spAutoFit/>
-          </a:bodyPr>
-          <a:lstStyle/>
-          <a:p>
-            <a:r>
-              <a:rPr lang="en-US" altLang="zh-TW" sz="1400" dirty="0" smtClean="0"/>
-              <a:t>MQTT</a:t>
-            </a:r>
-          </a:p>
-          <a:p>
-            <a:r>
-              <a:rPr lang="en-US" altLang="zh-TW" sz="1400" dirty="0" smtClean="0"/>
-              <a:t>PUB</a:t>
-            </a:r>
-          </a:p>
-          <a:p>
-            <a:r>
-              <a:rPr lang="en-US" altLang="zh-TW" sz="1400" dirty="0" smtClean="0"/>
-              <a:t>BRO</a:t>
-            </a:r>
-            <a:endParaRPr lang="zh-TW" altLang="en-US" sz="1400" dirty="0"/>
-          </a:p>
-        </p:txBody>
-      </p:sp>
-      <p:cxnSp>
-        <p:nvCxnSpPr>
-          <p:cNvPr id="38" name="直線單箭頭接點 37"/>
-          <p:cNvCxnSpPr/>
-          <p:nvPr/>
-        </p:nvCxnSpPr>
-        <p:spPr>
-          <a:xfrm>
-            <a:off x="2755621" y="2809242"/>
-            <a:ext cx="137919" cy="676734"/>
-          </a:xfrm>
-          <a:prstGeom prst="straightConnector1">
-            <a:avLst/>
-          </a:prstGeom>
-          <a:ln>
-            <a:tailEnd type="triangle"/>
-          </a:ln>
-        </p:spPr>
-        <p:style>
-          <a:lnRef idx="1">
-            <a:schemeClr val="accent1"/>
-          </a:lnRef>
-          <a:fillRef idx="0">
-            <a:schemeClr val="accent1"/>
-          </a:fillRef>
-          <a:effectRef idx="0">
-            <a:schemeClr val="accent1"/>
-          </a:effectRef>
-          <a:fontRef idx="minor">
-            <a:schemeClr val="tx1"/>
-          </a:fontRef>
-        </p:style>
-      </p:cxnSp>
-      <p:cxnSp>
-        <p:nvCxnSpPr>
-          <p:cNvPr id="40" name="直線單箭頭接點 39"/>
-          <p:cNvCxnSpPr/>
-          <p:nvPr/>
-        </p:nvCxnSpPr>
-        <p:spPr>
-          <a:xfrm flipH="1">
-            <a:off x="3457398" y="2599861"/>
-            <a:ext cx="212819" cy="1003507"/>
-          </a:xfrm>
-          <a:prstGeom prst="straightConnector1">
-            <a:avLst/>
-          </a:prstGeom>
-          <a:ln>
-            <a:tailEnd type="triangle"/>
-          </a:ln>
-        </p:spPr>
-        <p:style>
-          <a:lnRef idx="1">
-            <a:schemeClr val="accent1"/>
-          </a:lnRef>
-          <a:fillRef idx="0">
-            <a:schemeClr val="accent1"/>
-          </a:fillRef>
-          <a:effectRef idx="0">
-            <a:schemeClr val="accent1"/>
-          </a:effectRef>
-          <a:fontRef idx="minor">
-            <a:schemeClr val="tx1"/>
-          </a:fontRef>
-        </p:style>
-      </p:cxnSp>
-      <p:cxnSp>
-        <p:nvCxnSpPr>
-          <p:cNvPr id="42" name="直線單箭頭接點 41"/>
-          <p:cNvCxnSpPr/>
-          <p:nvPr/>
-        </p:nvCxnSpPr>
-        <p:spPr>
-          <a:xfrm>
-            <a:off x="4946939" y="3168888"/>
-            <a:ext cx="107657" cy="292627"/>
-          </a:xfrm>
-          <a:prstGeom prst="straightConnector1">
-            <a:avLst/>
-          </a:prstGeom>
-          <a:ln>
-            <a:tailEnd type="triangle"/>
-          </a:ln>
-        </p:spPr>
-        <p:style>
-          <a:lnRef idx="1">
-            <a:schemeClr val="accent1"/>
-          </a:lnRef>
-          <a:fillRef idx="0">
-            <a:schemeClr val="accent1"/>
-          </a:fillRef>
-          <a:effectRef idx="0">
-            <a:schemeClr val="accent1"/>
-          </a:effectRef>
-          <a:fontRef idx="minor">
-            <a:schemeClr val="tx1"/>
-          </a:fontRef>
-        </p:style>
-      </p:cxnSp>
-      <p:cxnSp>
-        <p:nvCxnSpPr>
-          <p:cNvPr id="44" name="直線單箭頭接點 43"/>
-          <p:cNvCxnSpPr/>
-          <p:nvPr/>
-        </p:nvCxnSpPr>
-        <p:spPr>
-          <a:xfrm flipH="1">
-            <a:off x="5465923" y="3039762"/>
-            <a:ext cx="175866" cy="421752"/>
-          </a:xfrm>
-          <a:prstGeom prst="straightConnector1">
-            <a:avLst/>
-          </a:prstGeom>
-          <a:ln>
-            <a:tailEnd type="triangle"/>
-          </a:ln>
-        </p:spPr>
-        <p:style>
-          <a:lnRef idx="1">
-            <a:schemeClr val="accent1"/>
-          </a:lnRef>
-          <a:fillRef idx="0">
-            <a:schemeClr val="accent1"/>
-          </a:fillRef>
-          <a:effectRef idx="0">
-            <a:schemeClr val="accent1"/>
-          </a:effectRef>
-          <a:fontRef idx="minor">
-            <a:schemeClr val="tx1"/>
-          </a:fontRef>
-        </p:style>
-      </p:cxnSp>
-      <p:sp>
-        <p:nvSpPr>
-          <p:cNvPr id="46" name="文字方塊 45"/>
-          <p:cNvSpPr txBox="1"/>
-          <p:nvPr/>
-        </p:nvSpPr>
-        <p:spPr>
-          <a:xfrm>
-            <a:off x="4206654" y="2301215"/>
-            <a:ext cx="931923" cy="307777"/>
-          </a:xfrm>
-          <a:prstGeom prst="rect">
-            <a:avLst/>
-          </a:prstGeom>
-          <a:solidFill>
-            <a:srgbClr val="FF0000"/>
-          </a:solidFill>
-        </p:spPr>
-        <p:txBody>
-          <a:bodyPr wrap="square" rtlCol="0">
-            <a:spAutoFit/>
-          </a:bodyPr>
-          <a:lstStyle/>
-          <a:p>
-            <a:r>
-              <a:rPr lang="en-US" altLang="zh-TW" sz="1400" dirty="0" smtClean="0"/>
-              <a:t>Ethernet</a:t>
-            </a:r>
-            <a:endParaRPr lang="zh-TW" altLang="en-US" sz="1400" dirty="0"/>
-          </a:p>
-        </p:txBody>
-      </p:sp>
-      <p:cxnSp>
-        <p:nvCxnSpPr>
-          <p:cNvPr id="47" name="直線單箭頭接點 46"/>
-          <p:cNvCxnSpPr/>
-          <p:nvPr/>
-        </p:nvCxnSpPr>
-        <p:spPr>
-          <a:xfrm flipH="1">
-            <a:off x="3665399" y="2608992"/>
-            <a:ext cx="767141" cy="1126797"/>
-          </a:xfrm>
-          <a:prstGeom prst="straightConnector1">
-            <a:avLst/>
-          </a:prstGeom>
-          <a:ln>
-            <a:tailEnd type="triangle"/>
-          </a:ln>
-        </p:spPr>
-        <p:style>
-          <a:lnRef idx="1">
-            <a:schemeClr val="accent1"/>
-          </a:lnRef>
-          <a:fillRef idx="0">
-            <a:schemeClr val="accent1"/>
-          </a:fillRef>
-          <a:effectRef idx="0">
-            <a:schemeClr val="accent1"/>
-          </a:effectRef>
-          <a:fontRef idx="minor">
-            <a:schemeClr val="tx1"/>
-          </a:fontRef>
-        </p:style>
-      </p:cxnSp>
-      <p:sp>
-        <p:nvSpPr>
-          <p:cNvPr id="50" name="文字方塊 49"/>
-          <p:cNvSpPr txBox="1"/>
-          <p:nvPr/>
-        </p:nvSpPr>
-        <p:spPr>
-          <a:xfrm>
-            <a:off x="7040389" y="1925717"/>
-            <a:ext cx="729951" cy="307777"/>
-          </a:xfrm>
-          <a:prstGeom prst="rect">
-            <a:avLst/>
-          </a:prstGeom>
-          <a:solidFill>
-            <a:srgbClr val="FF0000"/>
-          </a:solidFill>
-        </p:spPr>
-        <p:txBody>
-          <a:bodyPr wrap="square" rtlCol="0">
-            <a:spAutoFit/>
-          </a:bodyPr>
-          <a:lstStyle/>
-          <a:p>
-            <a:r>
-              <a:rPr lang="en-US" altLang="zh-TW" sz="1400" dirty="0" smtClean="0"/>
-              <a:t>SUB</a:t>
-            </a:r>
-            <a:endParaRPr lang="zh-TW" altLang="en-US" sz="1400" dirty="0"/>
-          </a:p>
-        </p:txBody>
-      </p:sp>
-      <p:sp>
-        <p:nvSpPr>
-          <p:cNvPr id="51" name="文字方塊 50"/>
-          <p:cNvSpPr txBox="1"/>
-          <p:nvPr/>
-        </p:nvSpPr>
-        <p:spPr>
-          <a:xfrm>
-            <a:off x="7067161" y="6113988"/>
-            <a:ext cx="729951" cy="307777"/>
-          </a:xfrm>
-          <a:prstGeom prst="rect">
-            <a:avLst/>
-          </a:prstGeom>
-          <a:solidFill>
-            <a:srgbClr val="FF0000"/>
-          </a:solidFill>
-        </p:spPr>
-        <p:txBody>
-          <a:bodyPr wrap="square" rtlCol="0">
-            <a:spAutoFit/>
-          </a:bodyPr>
-          <a:lstStyle/>
-          <a:p>
-            <a:r>
-              <a:rPr lang="en-US" altLang="zh-TW" sz="1400" dirty="0" smtClean="0"/>
-              <a:t>SUB</a:t>
-            </a:r>
-            <a:endParaRPr lang="zh-TW" altLang="en-US" sz="1400" dirty="0"/>
-          </a:p>
-        </p:txBody>
-      </p:sp>
-      <p:sp>
-        <p:nvSpPr>
-          <p:cNvPr id="52" name="文字方塊 51"/>
-          <p:cNvSpPr txBox="1"/>
-          <p:nvPr/>
-        </p:nvSpPr>
-        <p:spPr>
-          <a:xfrm>
-            <a:off x="6498403" y="2439910"/>
-            <a:ext cx="808395" cy="307777"/>
-          </a:xfrm>
-          <a:prstGeom prst="rect">
-            <a:avLst/>
-          </a:prstGeom>
-          <a:solidFill>
-            <a:srgbClr val="FF0000"/>
-          </a:solidFill>
-        </p:spPr>
-        <p:txBody>
-          <a:bodyPr wrap="square" rtlCol="0">
-            <a:spAutoFit/>
-          </a:bodyPr>
-          <a:lstStyle/>
-          <a:p>
-            <a:r>
-              <a:rPr lang="en-US" altLang="zh-TW" sz="1400" dirty="0" smtClean="0"/>
-              <a:t>SUB</a:t>
-            </a:r>
-            <a:endParaRPr lang="zh-TW" altLang="en-US" sz="1400" dirty="0"/>
-          </a:p>
-        </p:txBody>
-      </p:sp>
+      </p:pic>
     </p:spTree>
     <p:extLst>
       <p:ext uri="{BB962C8B-B14F-4D97-AF65-F5344CB8AC3E}">
@@ -11986,6 +10549,2859 @@
 </file>
 
 <file path=ppt/slides/slide5.xml><?xml version="1.0" encoding="utf-8"?>
+<p:sld xmlns:a="http://schemas.openxmlformats.org/drawingml/2006/main" xmlns:r="http://schemas.openxmlformats.org/officeDocument/2006/relationships" xmlns:p="http://schemas.openxmlformats.org/presentationml/2006/main" show="0">
+  <p:cSld>
+    <p:spTree>
+      <p:nvGrpSpPr>
+        <p:cNvPr id="1" name=""/>
+        <p:cNvGrpSpPr/>
+        <p:nvPr/>
+      </p:nvGrpSpPr>
+      <p:grpSpPr>
+        <a:xfrm>
+          <a:off x="0" y="0"/>
+          <a:ext cx="0" cy="0"/>
+          <a:chOff x="0" y="0"/>
+          <a:chExt cx="0" cy="0"/>
+        </a:xfrm>
+      </p:grpSpPr>
+      <p:grpSp>
+        <p:nvGrpSpPr>
+          <p:cNvPr id="114" name="群組 113"/>
+          <p:cNvGrpSpPr/>
+          <p:nvPr/>
+        </p:nvGrpSpPr>
+        <p:grpSpPr>
+          <a:xfrm>
+            <a:off x="-1122194" y="-105940"/>
+            <a:ext cx="15853177" cy="6963940"/>
+            <a:chOff x="-1122194" y="-105940"/>
+            <a:chExt cx="15853177" cy="6963940"/>
+          </a:xfrm>
+        </p:grpSpPr>
+        <p:grpSp>
+          <p:nvGrpSpPr>
+            <p:cNvPr id="14" name="群組 13"/>
+            <p:cNvGrpSpPr/>
+            <p:nvPr/>
+          </p:nvGrpSpPr>
+          <p:grpSpPr>
+            <a:xfrm>
+              <a:off x="-1122194" y="828160"/>
+              <a:ext cx="1442434" cy="1545465"/>
+              <a:chOff x="772732" y="734096"/>
+              <a:chExt cx="1442434" cy="1545465"/>
+            </a:xfrm>
+          </p:grpSpPr>
+          <p:sp>
+            <p:nvSpPr>
+              <p:cNvPr id="4" name="矩形 3"/>
+              <p:cNvSpPr/>
+              <p:nvPr/>
+            </p:nvSpPr>
+            <p:spPr>
+              <a:xfrm>
+                <a:off x="772732" y="734096"/>
+                <a:ext cx="1442434" cy="1545465"/>
+              </a:xfrm>
+              <a:prstGeom prst="rect">
+                <a:avLst/>
+              </a:prstGeom>
+              <a:noFill/>
+              <a:ln>
+                <a:solidFill>
+                  <a:schemeClr val="tx1"/>
+                </a:solidFill>
+              </a:ln>
+            </p:spPr>
+            <p:style>
+              <a:lnRef idx="2">
+                <a:schemeClr val="accent1">
+                  <a:shade val="50000"/>
+                </a:schemeClr>
+              </a:lnRef>
+              <a:fillRef idx="1">
+                <a:schemeClr val="accent1"/>
+              </a:fillRef>
+              <a:effectRef idx="0">
+                <a:schemeClr val="accent1"/>
+              </a:effectRef>
+              <a:fontRef idx="minor">
+                <a:schemeClr val="lt1"/>
+              </a:fontRef>
+            </p:style>
+            <p:txBody>
+              <a:bodyPr rtlCol="0" anchor="ctr"/>
+              <a:lstStyle/>
+              <a:p>
+                <a:pPr algn="ctr"/>
+                <a:endParaRPr lang="en-US" altLang="zh-TW" dirty="0"/>
+              </a:p>
+              <a:p>
+                <a:pPr algn="ctr"/>
+                <a:endParaRPr lang="en-US" altLang="zh-TW" dirty="0" smtClean="0"/>
+              </a:p>
+              <a:p>
+                <a:pPr algn="ctr"/>
+                <a:endParaRPr lang="en-US" altLang="zh-TW" dirty="0"/>
+              </a:p>
+              <a:p>
+                <a:pPr algn="ctr"/>
+                <a:endParaRPr lang="en-US" altLang="zh-TW" dirty="0" smtClean="0"/>
+              </a:p>
+              <a:p>
+                <a:pPr algn="ctr"/>
+                <a:r>
+                  <a:rPr lang="en-US" altLang="zh-TW" dirty="0" smtClean="0">
+                    <a:solidFill>
+                      <a:schemeClr val="tx1"/>
+                    </a:solidFill>
+                  </a:rPr>
+                  <a:t>CAM1</a:t>
+                </a:r>
+                <a:endParaRPr lang="en-US" altLang="zh-TW" dirty="0">
+                  <a:solidFill>
+                    <a:schemeClr val="tx1"/>
+                  </a:solidFill>
+                </a:endParaRPr>
+              </a:p>
+            </p:txBody>
+          </p:sp>
+          <p:sp>
+            <p:nvSpPr>
+              <p:cNvPr id="5" name="矩形 4"/>
+              <p:cNvSpPr/>
+              <p:nvPr/>
+            </p:nvSpPr>
+            <p:spPr>
+              <a:xfrm>
+                <a:off x="772732" y="734096"/>
+                <a:ext cx="1442434" cy="1146219"/>
+              </a:xfrm>
+              <a:prstGeom prst="rect">
+                <a:avLst/>
+              </a:prstGeom>
+              <a:solidFill>
+                <a:srgbClr val="0070C0"/>
+              </a:solidFill>
+            </p:spPr>
+            <p:style>
+              <a:lnRef idx="2">
+                <a:schemeClr val="accent1">
+                  <a:shade val="50000"/>
+                </a:schemeClr>
+              </a:lnRef>
+              <a:fillRef idx="1">
+                <a:schemeClr val="accent1"/>
+              </a:fillRef>
+              <a:effectRef idx="0">
+                <a:schemeClr val="accent1"/>
+              </a:effectRef>
+              <a:fontRef idx="minor">
+                <a:schemeClr val="lt1"/>
+              </a:fontRef>
+            </p:style>
+            <p:txBody>
+              <a:bodyPr rtlCol="0" anchor="ctr"/>
+              <a:lstStyle/>
+              <a:p>
+                <a:pPr algn="ctr"/>
+                <a:r>
+                  <a:rPr lang="en-US" altLang="zh-TW" dirty="0" smtClean="0"/>
+                  <a:t>Catch</a:t>
+                </a:r>
+              </a:p>
+              <a:p>
+                <a:pPr algn="ctr"/>
+                <a:r>
+                  <a:rPr lang="en-US" altLang="zh-TW" dirty="0" err="1" smtClean="0"/>
+                  <a:t>R_Photo</a:t>
+                </a:r>
+                <a:endParaRPr lang="zh-TW" altLang="en-US" dirty="0"/>
+              </a:p>
+            </p:txBody>
+          </p:sp>
+        </p:grpSp>
+        <p:grpSp>
+          <p:nvGrpSpPr>
+            <p:cNvPr id="15" name="群組 14"/>
+            <p:cNvGrpSpPr/>
+            <p:nvPr/>
+          </p:nvGrpSpPr>
+          <p:grpSpPr>
+            <a:xfrm>
+              <a:off x="-1122194" y="2603298"/>
+              <a:ext cx="1442434" cy="1545465"/>
+              <a:chOff x="772732" y="2509234"/>
+              <a:chExt cx="1442434" cy="1545465"/>
+            </a:xfrm>
+          </p:grpSpPr>
+          <p:sp>
+            <p:nvSpPr>
+              <p:cNvPr id="6" name="矩形 5"/>
+              <p:cNvSpPr/>
+              <p:nvPr/>
+            </p:nvSpPr>
+            <p:spPr>
+              <a:xfrm>
+                <a:off x="772732" y="2509234"/>
+                <a:ext cx="1442434" cy="1545465"/>
+              </a:xfrm>
+              <a:prstGeom prst="rect">
+                <a:avLst/>
+              </a:prstGeom>
+              <a:noFill/>
+              <a:ln>
+                <a:solidFill>
+                  <a:schemeClr val="tx1"/>
+                </a:solidFill>
+              </a:ln>
+            </p:spPr>
+            <p:style>
+              <a:lnRef idx="2">
+                <a:schemeClr val="accent1">
+                  <a:shade val="50000"/>
+                </a:schemeClr>
+              </a:lnRef>
+              <a:fillRef idx="1">
+                <a:schemeClr val="accent1"/>
+              </a:fillRef>
+              <a:effectRef idx="0">
+                <a:schemeClr val="accent1"/>
+              </a:effectRef>
+              <a:fontRef idx="minor">
+                <a:schemeClr val="lt1"/>
+              </a:fontRef>
+            </p:style>
+            <p:txBody>
+              <a:bodyPr rtlCol="0" anchor="ctr"/>
+              <a:lstStyle/>
+              <a:p>
+                <a:pPr algn="ctr"/>
+                <a:endParaRPr lang="en-US" altLang="zh-TW" dirty="0"/>
+              </a:p>
+              <a:p>
+                <a:pPr algn="ctr"/>
+                <a:endParaRPr lang="en-US" altLang="zh-TW" dirty="0" smtClean="0"/>
+              </a:p>
+              <a:p>
+                <a:pPr algn="ctr"/>
+                <a:endParaRPr lang="en-US" altLang="zh-TW" dirty="0"/>
+              </a:p>
+              <a:p>
+                <a:pPr algn="ctr"/>
+                <a:endParaRPr lang="en-US" altLang="zh-TW" dirty="0" smtClean="0"/>
+              </a:p>
+              <a:p>
+                <a:pPr algn="ctr"/>
+                <a:r>
+                  <a:rPr lang="en-US" altLang="zh-TW" dirty="0" smtClean="0">
+                    <a:solidFill>
+                      <a:schemeClr val="tx1"/>
+                    </a:solidFill>
+                  </a:rPr>
+                  <a:t>CAM2</a:t>
+                </a:r>
+                <a:endParaRPr lang="en-US" altLang="zh-TW" dirty="0">
+                  <a:solidFill>
+                    <a:schemeClr val="tx1"/>
+                  </a:solidFill>
+                </a:endParaRPr>
+              </a:p>
+            </p:txBody>
+          </p:sp>
+          <p:sp>
+            <p:nvSpPr>
+              <p:cNvPr id="7" name="矩形 6"/>
+              <p:cNvSpPr/>
+              <p:nvPr/>
+            </p:nvSpPr>
+            <p:spPr>
+              <a:xfrm>
+                <a:off x="772732" y="2509234"/>
+                <a:ext cx="1442434" cy="1146219"/>
+              </a:xfrm>
+              <a:prstGeom prst="rect">
+                <a:avLst/>
+              </a:prstGeom>
+              <a:solidFill>
+                <a:srgbClr val="0070C0"/>
+              </a:solidFill>
+            </p:spPr>
+            <p:style>
+              <a:lnRef idx="2">
+                <a:schemeClr val="accent1">
+                  <a:shade val="50000"/>
+                </a:schemeClr>
+              </a:lnRef>
+              <a:fillRef idx="1">
+                <a:schemeClr val="accent1"/>
+              </a:fillRef>
+              <a:effectRef idx="0">
+                <a:schemeClr val="accent1"/>
+              </a:effectRef>
+              <a:fontRef idx="minor">
+                <a:schemeClr val="lt1"/>
+              </a:fontRef>
+            </p:style>
+            <p:txBody>
+              <a:bodyPr rtlCol="0" anchor="ctr"/>
+              <a:lstStyle/>
+              <a:p>
+                <a:pPr algn="ctr"/>
+                <a:r>
+                  <a:rPr lang="en-US" altLang="zh-TW" dirty="0" smtClean="0"/>
+                  <a:t>Catch</a:t>
+                </a:r>
+              </a:p>
+              <a:p>
+                <a:pPr algn="ctr"/>
+                <a:r>
+                  <a:rPr lang="en-US" altLang="zh-TW" dirty="0" err="1"/>
+                  <a:t>M</a:t>
+                </a:r>
+                <a:r>
+                  <a:rPr lang="en-US" altLang="zh-TW" dirty="0" err="1" smtClean="0"/>
+                  <a:t>_Photo</a:t>
+                </a:r>
+                <a:endParaRPr lang="zh-TW" altLang="en-US" dirty="0"/>
+              </a:p>
+            </p:txBody>
+          </p:sp>
+        </p:grpSp>
+        <p:grpSp>
+          <p:nvGrpSpPr>
+            <p:cNvPr id="16" name="群組 15"/>
+            <p:cNvGrpSpPr/>
+            <p:nvPr/>
+          </p:nvGrpSpPr>
+          <p:grpSpPr>
+            <a:xfrm>
+              <a:off x="-1122194" y="4378436"/>
+              <a:ext cx="1442434" cy="1545465"/>
+              <a:chOff x="772732" y="4284372"/>
+              <a:chExt cx="1442434" cy="1545465"/>
+            </a:xfrm>
+          </p:grpSpPr>
+          <p:sp>
+            <p:nvSpPr>
+              <p:cNvPr id="10" name="矩形 9"/>
+              <p:cNvSpPr/>
+              <p:nvPr/>
+            </p:nvSpPr>
+            <p:spPr>
+              <a:xfrm>
+                <a:off x="772732" y="4284372"/>
+                <a:ext cx="1442434" cy="1545465"/>
+              </a:xfrm>
+              <a:prstGeom prst="rect">
+                <a:avLst/>
+              </a:prstGeom>
+              <a:noFill/>
+              <a:ln>
+                <a:solidFill>
+                  <a:schemeClr val="tx1"/>
+                </a:solidFill>
+              </a:ln>
+            </p:spPr>
+            <p:style>
+              <a:lnRef idx="2">
+                <a:schemeClr val="accent1">
+                  <a:shade val="50000"/>
+                </a:schemeClr>
+              </a:lnRef>
+              <a:fillRef idx="1">
+                <a:schemeClr val="accent1"/>
+              </a:fillRef>
+              <a:effectRef idx="0">
+                <a:schemeClr val="accent1"/>
+              </a:effectRef>
+              <a:fontRef idx="minor">
+                <a:schemeClr val="lt1"/>
+              </a:fontRef>
+            </p:style>
+            <p:txBody>
+              <a:bodyPr rtlCol="0" anchor="ctr"/>
+              <a:lstStyle/>
+              <a:p>
+                <a:pPr algn="ctr"/>
+                <a:endParaRPr lang="en-US" altLang="zh-TW" dirty="0"/>
+              </a:p>
+              <a:p>
+                <a:pPr algn="ctr"/>
+                <a:endParaRPr lang="en-US" altLang="zh-TW" dirty="0" smtClean="0"/>
+              </a:p>
+              <a:p>
+                <a:pPr algn="ctr"/>
+                <a:endParaRPr lang="en-US" altLang="zh-TW" dirty="0"/>
+              </a:p>
+              <a:p>
+                <a:pPr algn="ctr"/>
+                <a:endParaRPr lang="en-US" altLang="zh-TW" dirty="0" smtClean="0"/>
+              </a:p>
+              <a:p>
+                <a:pPr algn="ctr"/>
+                <a:r>
+                  <a:rPr lang="en-US" altLang="zh-TW" dirty="0" smtClean="0">
+                    <a:solidFill>
+                      <a:schemeClr val="tx1"/>
+                    </a:solidFill>
+                  </a:rPr>
+                  <a:t>CAM3</a:t>
+                </a:r>
+                <a:endParaRPr lang="en-US" altLang="zh-TW" dirty="0">
+                  <a:solidFill>
+                    <a:schemeClr val="tx1"/>
+                  </a:solidFill>
+                </a:endParaRPr>
+              </a:p>
+            </p:txBody>
+          </p:sp>
+          <p:sp>
+            <p:nvSpPr>
+              <p:cNvPr id="11" name="矩形 10"/>
+              <p:cNvSpPr/>
+              <p:nvPr/>
+            </p:nvSpPr>
+            <p:spPr>
+              <a:xfrm>
+                <a:off x="772732" y="4284372"/>
+                <a:ext cx="1442434" cy="1146219"/>
+              </a:xfrm>
+              <a:prstGeom prst="rect">
+                <a:avLst/>
+              </a:prstGeom>
+              <a:solidFill>
+                <a:srgbClr val="0070C0"/>
+              </a:solidFill>
+            </p:spPr>
+            <p:style>
+              <a:lnRef idx="2">
+                <a:schemeClr val="accent1">
+                  <a:shade val="50000"/>
+                </a:schemeClr>
+              </a:lnRef>
+              <a:fillRef idx="1">
+                <a:schemeClr val="accent1"/>
+              </a:fillRef>
+              <a:effectRef idx="0">
+                <a:schemeClr val="accent1"/>
+              </a:effectRef>
+              <a:fontRef idx="minor">
+                <a:schemeClr val="lt1"/>
+              </a:fontRef>
+            </p:style>
+            <p:txBody>
+              <a:bodyPr rtlCol="0" anchor="ctr"/>
+              <a:lstStyle/>
+              <a:p>
+                <a:pPr algn="ctr"/>
+                <a:r>
+                  <a:rPr lang="en-US" altLang="zh-TW" dirty="0" smtClean="0"/>
+                  <a:t>Catch</a:t>
+                </a:r>
+              </a:p>
+              <a:p>
+                <a:pPr algn="ctr"/>
+                <a:r>
+                  <a:rPr lang="en-US" altLang="zh-TW" dirty="0" err="1" smtClean="0"/>
+                  <a:t>L_Photo</a:t>
+                </a:r>
+                <a:endParaRPr lang="zh-TW" altLang="en-US" dirty="0"/>
+              </a:p>
+            </p:txBody>
+          </p:sp>
+        </p:grpSp>
+        <p:sp>
+          <p:nvSpPr>
+            <p:cNvPr id="33" name="文字方塊 32"/>
+            <p:cNvSpPr txBox="1"/>
+            <p:nvPr/>
+          </p:nvSpPr>
+          <p:spPr>
+            <a:xfrm>
+              <a:off x="320238" y="1281729"/>
+              <a:ext cx="893193" cy="276999"/>
+            </a:xfrm>
+            <a:prstGeom prst="rect">
+              <a:avLst/>
+            </a:prstGeom>
+            <a:noFill/>
+          </p:spPr>
+          <p:txBody>
+            <a:bodyPr wrap="none" rtlCol="0">
+              <a:spAutoFit/>
+            </a:bodyPr>
+            <a:lstStyle/>
+            <a:p>
+              <a:r>
+                <a:rPr lang="en-US" altLang="zh-TW" sz="1200" b="1" dirty="0" smtClean="0"/>
+                <a:t>1</a:t>
+              </a:r>
+              <a:r>
+                <a:rPr lang="en-US" altLang="zh-TW" sz="1200" b="1" dirty="0"/>
+                <a:t>.</a:t>
+              </a:r>
+              <a:r>
+                <a:rPr lang="en-US" altLang="zh-TW" sz="1200" dirty="0" smtClean="0"/>
+                <a:t>R_Photo</a:t>
+              </a:r>
+              <a:endParaRPr lang="zh-TW" altLang="en-US" sz="1200" dirty="0"/>
+            </a:p>
+          </p:txBody>
+        </p:sp>
+        <p:sp>
+          <p:nvSpPr>
+            <p:cNvPr id="34" name="文字方塊 33"/>
+            <p:cNvSpPr txBox="1"/>
+            <p:nvPr/>
+          </p:nvSpPr>
+          <p:spPr>
+            <a:xfrm>
+              <a:off x="274738" y="3361766"/>
+              <a:ext cx="961802" cy="276999"/>
+            </a:xfrm>
+            <a:prstGeom prst="rect">
+              <a:avLst/>
+            </a:prstGeom>
+            <a:noFill/>
+          </p:spPr>
+          <p:txBody>
+            <a:bodyPr wrap="none" rtlCol="0">
+              <a:spAutoFit/>
+            </a:bodyPr>
+            <a:lstStyle/>
+            <a:p>
+              <a:r>
+                <a:rPr lang="en-US" altLang="zh-TW" sz="1200" b="1" dirty="0" smtClean="0"/>
+                <a:t>1.</a:t>
+              </a:r>
+              <a:r>
+                <a:rPr lang="zh-TW" altLang="en-US" sz="1200" b="1" dirty="0" smtClean="0"/>
+                <a:t> </a:t>
+              </a:r>
+              <a:r>
+                <a:rPr lang="en-US" altLang="zh-TW" sz="1200" dirty="0" err="1" smtClean="0"/>
+                <a:t>M_Photo</a:t>
+              </a:r>
+              <a:endParaRPr lang="zh-TW" altLang="en-US" sz="1200" dirty="0"/>
+            </a:p>
+          </p:txBody>
+        </p:sp>
+        <p:sp>
+          <p:nvSpPr>
+            <p:cNvPr id="35" name="文字方塊 34"/>
+            <p:cNvSpPr txBox="1"/>
+            <p:nvPr/>
+          </p:nvSpPr>
+          <p:spPr>
+            <a:xfrm>
+              <a:off x="281014" y="5165031"/>
+              <a:ext cx="907300" cy="276999"/>
+            </a:xfrm>
+            <a:prstGeom prst="rect">
+              <a:avLst/>
+            </a:prstGeom>
+            <a:noFill/>
+          </p:spPr>
+          <p:txBody>
+            <a:bodyPr wrap="none" rtlCol="0">
+              <a:spAutoFit/>
+            </a:bodyPr>
+            <a:lstStyle/>
+            <a:p>
+              <a:r>
+                <a:rPr lang="en-US" altLang="zh-TW" sz="1200" b="1" dirty="0" smtClean="0"/>
+                <a:t>1.</a:t>
+              </a:r>
+              <a:r>
+                <a:rPr lang="zh-TW" altLang="en-US" sz="1200" b="1" dirty="0" smtClean="0"/>
+                <a:t> </a:t>
+              </a:r>
+              <a:r>
+                <a:rPr lang="en-US" altLang="zh-TW" sz="1200" dirty="0" err="1" smtClean="0"/>
+                <a:t>L_Photo</a:t>
+              </a:r>
+              <a:endParaRPr lang="zh-TW" altLang="en-US" sz="1200" dirty="0"/>
+            </a:p>
+          </p:txBody>
+        </p:sp>
+        <p:cxnSp>
+          <p:nvCxnSpPr>
+            <p:cNvPr id="37" name="肘形接點 36"/>
+            <p:cNvCxnSpPr>
+              <a:stCxn id="4" idx="3"/>
+              <a:endCxn id="13" idx="1"/>
+            </p:cNvCxnSpPr>
+            <p:nvPr/>
+          </p:nvCxnSpPr>
+          <p:spPr>
+            <a:xfrm>
+              <a:off x="320240" y="1600893"/>
+              <a:ext cx="1942563" cy="1512808"/>
+            </a:xfrm>
+            <a:prstGeom prst="bentConnector3">
+              <a:avLst/>
+            </a:prstGeom>
+            <a:ln w="28575">
+              <a:solidFill>
+                <a:schemeClr val="tx1"/>
+              </a:solidFill>
+              <a:tailEnd type="triangle"/>
+            </a:ln>
+          </p:spPr>
+          <p:style>
+            <a:lnRef idx="1">
+              <a:schemeClr val="accent1"/>
+            </a:lnRef>
+            <a:fillRef idx="0">
+              <a:schemeClr val="accent1"/>
+            </a:fillRef>
+            <a:effectRef idx="0">
+              <a:schemeClr val="accent1"/>
+            </a:effectRef>
+            <a:fontRef idx="minor">
+              <a:schemeClr val="tx1"/>
+            </a:fontRef>
+          </p:style>
+        </p:cxnSp>
+        <p:cxnSp>
+          <p:nvCxnSpPr>
+            <p:cNvPr id="41" name="直線單箭頭接點 40"/>
+            <p:cNvCxnSpPr>
+              <a:stCxn id="6" idx="3"/>
+              <a:endCxn id="12" idx="1"/>
+            </p:cNvCxnSpPr>
+            <p:nvPr/>
+          </p:nvCxnSpPr>
+          <p:spPr>
+            <a:xfrm flipV="1">
+              <a:off x="320240" y="3376030"/>
+              <a:ext cx="1942563" cy="1"/>
+            </a:xfrm>
+            <a:prstGeom prst="straightConnector1">
+              <a:avLst/>
+            </a:prstGeom>
+            <a:ln w="28575">
+              <a:solidFill>
+                <a:schemeClr val="tx1"/>
+              </a:solidFill>
+              <a:tailEnd type="triangle"/>
+            </a:ln>
+          </p:spPr>
+          <p:style>
+            <a:lnRef idx="1">
+              <a:schemeClr val="accent1"/>
+            </a:lnRef>
+            <a:fillRef idx="0">
+              <a:schemeClr val="accent1"/>
+            </a:fillRef>
+            <a:effectRef idx="0">
+              <a:schemeClr val="accent1"/>
+            </a:effectRef>
+            <a:fontRef idx="minor">
+              <a:schemeClr val="tx1"/>
+            </a:fontRef>
+          </p:style>
+        </p:cxnSp>
+        <p:cxnSp>
+          <p:nvCxnSpPr>
+            <p:cNvPr id="47" name="肘形接點 46"/>
+            <p:cNvCxnSpPr>
+              <a:stCxn id="10" idx="3"/>
+            </p:cNvCxnSpPr>
+            <p:nvPr/>
+          </p:nvCxnSpPr>
+          <p:spPr>
+            <a:xfrm flipV="1">
+              <a:off x="320240" y="3625023"/>
+              <a:ext cx="1942563" cy="1526146"/>
+            </a:xfrm>
+            <a:prstGeom prst="bentConnector3">
+              <a:avLst/>
+            </a:prstGeom>
+            <a:ln w="28575">
+              <a:solidFill>
+                <a:schemeClr val="tx1"/>
+              </a:solidFill>
+              <a:tailEnd type="triangle"/>
+            </a:ln>
+          </p:spPr>
+          <p:style>
+            <a:lnRef idx="1">
+              <a:schemeClr val="accent1"/>
+            </a:lnRef>
+            <a:fillRef idx="0">
+              <a:schemeClr val="accent1"/>
+            </a:fillRef>
+            <a:effectRef idx="0">
+              <a:schemeClr val="accent1"/>
+            </a:effectRef>
+            <a:fontRef idx="minor">
+              <a:schemeClr val="tx1"/>
+            </a:fontRef>
+          </p:style>
+        </p:cxnSp>
+        <p:grpSp>
+          <p:nvGrpSpPr>
+            <p:cNvPr id="56" name="群組 55"/>
+            <p:cNvGrpSpPr/>
+            <p:nvPr/>
+          </p:nvGrpSpPr>
+          <p:grpSpPr>
+            <a:xfrm>
+              <a:off x="2262803" y="1087885"/>
+              <a:ext cx="2307466" cy="3570131"/>
+              <a:chOff x="3436512" y="824248"/>
+              <a:chExt cx="2307466" cy="3570131"/>
+            </a:xfrm>
+          </p:grpSpPr>
+          <p:grpSp>
+            <p:nvGrpSpPr>
+              <p:cNvPr id="19" name="群組 18"/>
+              <p:cNvGrpSpPr/>
+              <p:nvPr/>
+            </p:nvGrpSpPr>
+            <p:grpSpPr>
+              <a:xfrm>
+                <a:off x="3436512" y="1830407"/>
+                <a:ext cx="2307466" cy="2563972"/>
+                <a:chOff x="3075903" y="1737573"/>
+                <a:chExt cx="2307466" cy="2563972"/>
+              </a:xfrm>
+            </p:grpSpPr>
+            <p:sp>
+              <p:nvSpPr>
+                <p:cNvPr id="12" name="矩形 11"/>
+                <p:cNvSpPr/>
+                <p:nvPr/>
+              </p:nvSpPr>
+              <p:spPr>
+                <a:xfrm>
+                  <a:off x="3075903" y="1737573"/>
+                  <a:ext cx="2307466" cy="2563972"/>
+                </a:xfrm>
+                <a:prstGeom prst="rect">
+                  <a:avLst/>
+                </a:prstGeom>
+                <a:noFill/>
+                <a:ln>
+                  <a:solidFill>
+                    <a:schemeClr val="tx1"/>
+                  </a:solidFill>
+                </a:ln>
+              </p:spPr>
+              <p:style>
+                <a:lnRef idx="2">
+                  <a:schemeClr val="accent1">
+                    <a:shade val="50000"/>
+                  </a:schemeClr>
+                </a:lnRef>
+                <a:fillRef idx="1">
+                  <a:schemeClr val="accent1"/>
+                </a:fillRef>
+                <a:effectRef idx="0">
+                  <a:schemeClr val="accent1"/>
+                </a:effectRef>
+                <a:fontRef idx="minor">
+                  <a:schemeClr val="lt1"/>
+                </a:fontRef>
+              </p:style>
+              <p:txBody>
+                <a:bodyPr rtlCol="0" anchor="ctr"/>
+                <a:lstStyle/>
+                <a:p>
+                  <a:pPr algn="ctr"/>
+                  <a:endParaRPr lang="en-US" altLang="zh-TW" dirty="0"/>
+                </a:p>
+                <a:p>
+                  <a:pPr algn="ctr"/>
+                  <a:endParaRPr lang="en-US" altLang="zh-TW" dirty="0" smtClean="0"/>
+                </a:p>
+                <a:p>
+                  <a:pPr algn="ctr"/>
+                  <a:endParaRPr lang="en-US" altLang="zh-TW" dirty="0" smtClean="0"/>
+                </a:p>
+                <a:p>
+                  <a:pPr algn="ctr"/>
+                  <a:endParaRPr lang="en-US" altLang="zh-TW" dirty="0"/>
+                </a:p>
+                <a:p>
+                  <a:pPr algn="ctr"/>
+                  <a:endParaRPr lang="en-US" altLang="zh-TW" dirty="0" smtClean="0"/>
+                </a:p>
+                <a:p>
+                  <a:pPr algn="ctr"/>
+                  <a:endParaRPr lang="en-US" altLang="zh-TW" dirty="0"/>
+                </a:p>
+                <a:p>
+                  <a:pPr algn="ctr"/>
+                  <a:endParaRPr lang="en-US" altLang="zh-TW" dirty="0"/>
+                </a:p>
+                <a:p>
+                  <a:pPr algn="ctr"/>
+                  <a:r>
+                    <a:rPr lang="en-US" altLang="zh-TW" dirty="0" smtClean="0">
+                      <a:solidFill>
+                        <a:schemeClr val="tx1"/>
+                      </a:solidFill>
+                    </a:rPr>
+                    <a:t>MCU</a:t>
+                  </a:r>
+                  <a:endParaRPr lang="en-US" altLang="zh-TW" dirty="0">
+                    <a:solidFill>
+                      <a:schemeClr val="tx1"/>
+                    </a:solidFill>
+                  </a:endParaRPr>
+                </a:p>
+              </p:txBody>
+            </p:sp>
+            <p:sp>
+              <p:nvSpPr>
+                <p:cNvPr id="13" name="矩形 12"/>
+                <p:cNvSpPr/>
+                <p:nvPr/>
+              </p:nvSpPr>
+              <p:spPr>
+                <a:xfrm>
+                  <a:off x="3075903" y="1737573"/>
+                  <a:ext cx="2307466" cy="2039314"/>
+                </a:xfrm>
+                <a:prstGeom prst="rect">
+                  <a:avLst/>
+                </a:prstGeom>
+                <a:solidFill>
+                  <a:srgbClr val="0070C0"/>
+                </a:solidFill>
+              </p:spPr>
+              <p:style>
+                <a:lnRef idx="2">
+                  <a:schemeClr val="accent1">
+                    <a:shade val="50000"/>
+                  </a:schemeClr>
+                </a:lnRef>
+                <a:fillRef idx="1">
+                  <a:schemeClr val="accent1"/>
+                </a:fillRef>
+                <a:effectRef idx="0">
+                  <a:schemeClr val="accent1"/>
+                </a:effectRef>
+                <a:fontRef idx="minor">
+                  <a:schemeClr val="lt1"/>
+                </a:fontRef>
+              </p:style>
+              <p:txBody>
+                <a:bodyPr rtlCol="0" anchor="ctr"/>
+                <a:lstStyle/>
+                <a:p>
+                  <a:pPr algn="ctr"/>
+                  <a:r>
+                    <a:rPr lang="en-US" altLang="zh-TW" dirty="0" smtClean="0"/>
+                    <a:t>Read image-data</a:t>
+                  </a:r>
+                </a:p>
+                <a:p>
+                  <a:pPr algn="ctr"/>
+                  <a:endParaRPr lang="en-US" altLang="zh-TW" dirty="0" smtClean="0"/>
+                </a:p>
+                <a:p>
+                  <a:pPr algn="ctr"/>
+                  <a:r>
+                    <a:rPr lang="en-US" altLang="zh-TW" dirty="0" smtClean="0"/>
+                    <a:t>Show and Send image</a:t>
+                  </a:r>
+                </a:p>
+              </p:txBody>
+            </p:sp>
+          </p:grpSp>
+          <p:sp>
+            <p:nvSpPr>
+              <p:cNvPr id="48" name="矩形 47"/>
+              <p:cNvSpPr/>
+              <p:nvPr/>
+            </p:nvSpPr>
+            <p:spPr>
+              <a:xfrm>
+                <a:off x="3436512" y="824248"/>
+                <a:ext cx="1146220" cy="544512"/>
+              </a:xfrm>
+              <a:prstGeom prst="rect">
+                <a:avLst/>
+              </a:prstGeom>
+              <a:solidFill>
+                <a:srgbClr val="FF0000"/>
+              </a:solidFill>
+            </p:spPr>
+            <p:style>
+              <a:lnRef idx="2">
+                <a:schemeClr val="accent1">
+                  <a:shade val="50000"/>
+                </a:schemeClr>
+              </a:lnRef>
+              <a:fillRef idx="1">
+                <a:schemeClr val="accent1"/>
+              </a:fillRef>
+              <a:effectRef idx="0">
+                <a:schemeClr val="accent1"/>
+              </a:effectRef>
+              <a:fontRef idx="minor">
+                <a:schemeClr val="lt1"/>
+              </a:fontRef>
+            </p:style>
+            <p:txBody>
+              <a:bodyPr rtlCol="0" anchor="ctr"/>
+              <a:lstStyle/>
+              <a:p>
+                <a:pPr algn="ctr"/>
+                <a:r>
+                  <a:rPr lang="en-US" altLang="zh-TW" dirty="0" smtClean="0"/>
+                  <a:t>USB</a:t>
+                </a:r>
+              </a:p>
+              <a:p>
+                <a:pPr algn="ctr"/>
+                <a:r>
+                  <a:rPr lang="en-US" altLang="zh-TW" dirty="0" smtClean="0"/>
+                  <a:t>HOST</a:t>
+                </a:r>
+                <a:endParaRPr lang="zh-TW" altLang="en-US" dirty="0"/>
+              </a:p>
+            </p:txBody>
+          </p:sp>
+          <p:sp>
+            <p:nvSpPr>
+              <p:cNvPr id="49" name="矩形 48"/>
+              <p:cNvSpPr/>
+              <p:nvPr/>
+            </p:nvSpPr>
+            <p:spPr>
+              <a:xfrm>
+                <a:off x="4634247" y="824248"/>
+                <a:ext cx="1109731" cy="544512"/>
+              </a:xfrm>
+              <a:prstGeom prst="rect">
+                <a:avLst/>
+              </a:prstGeom>
+              <a:solidFill>
+                <a:srgbClr val="FF0000"/>
+              </a:solidFill>
+            </p:spPr>
+            <p:style>
+              <a:lnRef idx="2">
+                <a:schemeClr val="accent1">
+                  <a:shade val="50000"/>
+                </a:schemeClr>
+              </a:lnRef>
+              <a:fillRef idx="1">
+                <a:schemeClr val="accent1"/>
+              </a:fillRef>
+              <a:effectRef idx="0">
+                <a:schemeClr val="accent1"/>
+              </a:effectRef>
+              <a:fontRef idx="minor">
+                <a:schemeClr val="lt1"/>
+              </a:fontRef>
+            </p:style>
+            <p:txBody>
+              <a:bodyPr rtlCol="0" anchor="ctr"/>
+              <a:lstStyle/>
+              <a:p>
+                <a:pPr algn="ctr"/>
+                <a:r>
+                  <a:rPr lang="en-US" altLang="zh-TW" dirty="0" err="1" smtClean="0"/>
+                  <a:t>WiFi</a:t>
+                </a:r>
+                <a:endParaRPr lang="en-US" altLang="zh-TW" dirty="0" smtClean="0"/>
+              </a:p>
+              <a:p>
+                <a:pPr algn="ctr"/>
+                <a:r>
+                  <a:rPr lang="en-US" altLang="zh-TW" dirty="0" smtClean="0"/>
+                  <a:t>4.5G/5G</a:t>
+                </a:r>
+                <a:endParaRPr lang="zh-TW" altLang="en-US" dirty="0"/>
+              </a:p>
+            </p:txBody>
+          </p:sp>
+          <p:cxnSp>
+            <p:nvCxnSpPr>
+              <p:cNvPr id="51" name="直線單箭頭接點 50"/>
+              <p:cNvCxnSpPr>
+                <a:stCxn id="48" idx="2"/>
+              </p:cNvCxnSpPr>
+              <p:nvPr/>
+            </p:nvCxnSpPr>
+            <p:spPr>
+              <a:xfrm>
+                <a:off x="4009622" y="1368760"/>
+                <a:ext cx="8586" cy="461647"/>
+              </a:xfrm>
+              <a:prstGeom prst="straightConnector1">
+                <a:avLst/>
+              </a:prstGeom>
+              <a:ln>
+                <a:tailEnd type="triangle"/>
+              </a:ln>
+            </p:spPr>
+            <p:style>
+              <a:lnRef idx="1">
+                <a:schemeClr val="accent1"/>
+              </a:lnRef>
+              <a:fillRef idx="0">
+                <a:schemeClr val="accent1"/>
+              </a:fillRef>
+              <a:effectRef idx="0">
+                <a:schemeClr val="accent1"/>
+              </a:effectRef>
+              <a:fontRef idx="minor">
+                <a:schemeClr val="tx1"/>
+              </a:fontRef>
+            </p:style>
+          </p:cxnSp>
+          <p:cxnSp>
+            <p:nvCxnSpPr>
+              <p:cNvPr id="53" name="直線單箭頭接點 52"/>
+              <p:cNvCxnSpPr>
+                <a:stCxn id="49" idx="2"/>
+              </p:cNvCxnSpPr>
+              <p:nvPr/>
+            </p:nvCxnSpPr>
+            <p:spPr>
+              <a:xfrm>
+                <a:off x="5189113" y="1368760"/>
+                <a:ext cx="107" cy="461647"/>
+              </a:xfrm>
+              <a:prstGeom prst="straightConnector1">
+                <a:avLst/>
+              </a:prstGeom>
+              <a:ln>
+                <a:tailEnd type="triangle"/>
+              </a:ln>
+            </p:spPr>
+            <p:style>
+              <a:lnRef idx="1">
+                <a:schemeClr val="accent1"/>
+              </a:lnRef>
+              <a:fillRef idx="0">
+                <a:schemeClr val="accent1"/>
+              </a:fillRef>
+              <a:effectRef idx="0">
+                <a:schemeClr val="accent1"/>
+              </a:effectRef>
+              <a:fontRef idx="minor">
+                <a:schemeClr val="tx1"/>
+              </a:fontRef>
+            </p:style>
+          </p:cxnSp>
+        </p:grpSp>
+        <p:cxnSp>
+          <p:nvCxnSpPr>
+            <p:cNvPr id="61" name="直線單箭頭接點 60"/>
+            <p:cNvCxnSpPr>
+              <a:stCxn id="12" idx="3"/>
+            </p:cNvCxnSpPr>
+            <p:nvPr/>
+          </p:nvCxnSpPr>
+          <p:spPr>
+            <a:xfrm flipV="1">
+              <a:off x="4570269" y="3376029"/>
+              <a:ext cx="1292181" cy="1"/>
+            </a:xfrm>
+            <a:prstGeom prst="straightConnector1">
+              <a:avLst/>
+            </a:prstGeom>
+            <a:ln w="28575">
+              <a:solidFill>
+                <a:schemeClr val="tx1"/>
+              </a:solidFill>
+              <a:prstDash val="dash"/>
+              <a:tailEnd type="triangle"/>
+            </a:ln>
+          </p:spPr>
+          <p:style>
+            <a:lnRef idx="1">
+              <a:schemeClr val="accent1"/>
+            </a:lnRef>
+            <a:fillRef idx="0">
+              <a:schemeClr val="accent1"/>
+            </a:fillRef>
+            <a:effectRef idx="0">
+              <a:schemeClr val="accent1"/>
+            </a:effectRef>
+            <a:fontRef idx="minor">
+              <a:schemeClr val="tx1"/>
+            </a:fontRef>
+          </p:style>
+        </p:cxnSp>
+        <p:sp>
+          <p:nvSpPr>
+            <p:cNvPr id="55" name="圓角矩形 54"/>
+            <p:cNvSpPr/>
+            <p:nvPr/>
+          </p:nvSpPr>
+          <p:spPr>
+            <a:xfrm>
+              <a:off x="5394516" y="1520398"/>
+              <a:ext cx="296214" cy="3711263"/>
+            </a:xfrm>
+            <a:prstGeom prst="roundRect">
+              <a:avLst/>
+            </a:prstGeom>
+          </p:spPr>
+          <p:style>
+            <a:lnRef idx="2">
+              <a:schemeClr val="accent1">
+                <a:shade val="50000"/>
+              </a:schemeClr>
+            </a:lnRef>
+            <a:fillRef idx="1">
+              <a:schemeClr val="accent1"/>
+            </a:fillRef>
+            <a:effectRef idx="0">
+              <a:schemeClr val="accent1"/>
+            </a:effectRef>
+            <a:fontRef idx="minor">
+              <a:schemeClr val="lt1"/>
+            </a:fontRef>
+          </p:style>
+          <p:txBody>
+            <a:bodyPr rtlCol="0" anchor="ctr"/>
+            <a:lstStyle/>
+            <a:p>
+              <a:pPr algn="ctr"/>
+              <a:r>
+                <a:rPr lang="en-US" altLang="zh-TW" dirty="0" smtClean="0"/>
+                <a:t>UDP</a:t>
+              </a:r>
+            </a:p>
+          </p:txBody>
+        </p:sp>
+        <p:sp>
+          <p:nvSpPr>
+            <p:cNvPr id="17" name="圓角矩形 16"/>
+            <p:cNvSpPr/>
+            <p:nvPr/>
+          </p:nvSpPr>
+          <p:spPr>
+            <a:xfrm>
+              <a:off x="1466460" y="1520398"/>
+              <a:ext cx="296214" cy="3711263"/>
+            </a:xfrm>
+            <a:prstGeom prst="roundRect">
+              <a:avLst/>
+            </a:prstGeom>
+          </p:spPr>
+          <p:style>
+            <a:lnRef idx="2">
+              <a:schemeClr val="accent1">
+                <a:shade val="50000"/>
+              </a:schemeClr>
+            </a:lnRef>
+            <a:fillRef idx="1">
+              <a:schemeClr val="accent1"/>
+            </a:fillRef>
+            <a:effectRef idx="0">
+              <a:schemeClr val="accent1"/>
+            </a:effectRef>
+            <a:fontRef idx="minor">
+              <a:schemeClr val="lt1"/>
+            </a:fontRef>
+          </p:style>
+          <p:txBody>
+            <a:bodyPr rtlCol="0" anchor="ctr"/>
+            <a:lstStyle/>
+            <a:p>
+              <a:pPr algn="ctr"/>
+              <a:r>
+                <a:rPr lang="en-US" altLang="zh-TW" dirty="0" smtClean="0"/>
+                <a:t>USB</a:t>
+              </a:r>
+            </a:p>
+            <a:p>
+              <a:pPr algn="ctr"/>
+              <a:endParaRPr lang="en-US" altLang="zh-TW" dirty="0"/>
+            </a:p>
+            <a:p>
+              <a:pPr algn="ctr"/>
+              <a:r>
+                <a:rPr lang="en-US" altLang="zh-TW" dirty="0" smtClean="0"/>
+                <a:t>HUB</a:t>
+              </a:r>
+              <a:endParaRPr lang="zh-TW" altLang="en-US" dirty="0"/>
+            </a:p>
+          </p:txBody>
+        </p:sp>
+        <p:sp>
+          <p:nvSpPr>
+            <p:cNvPr id="71" name="文字方塊 70"/>
+            <p:cNvSpPr txBox="1"/>
+            <p:nvPr/>
+          </p:nvSpPr>
+          <p:spPr>
+            <a:xfrm>
+              <a:off x="4571201" y="2508199"/>
+              <a:ext cx="795411" cy="830997"/>
+            </a:xfrm>
+            <a:prstGeom prst="rect">
+              <a:avLst/>
+            </a:prstGeom>
+            <a:noFill/>
+          </p:spPr>
+          <p:txBody>
+            <a:bodyPr wrap="none" rtlCol="0">
+              <a:spAutoFit/>
+            </a:bodyPr>
+            <a:lstStyle/>
+            <a:p>
+              <a:r>
+                <a:rPr lang="en-US" altLang="zh-TW" sz="1200" b="1" dirty="0" smtClean="0"/>
+                <a:t>2.</a:t>
+              </a:r>
+            </a:p>
+            <a:p>
+              <a:r>
+                <a:rPr lang="en-US" altLang="zh-TW" sz="1200" dirty="0" err="1" smtClean="0"/>
+                <a:t>R_Photo</a:t>
+              </a:r>
+              <a:endParaRPr lang="en-US" altLang="zh-TW" sz="1200" dirty="0" smtClean="0"/>
+            </a:p>
+            <a:p>
+              <a:r>
+                <a:rPr lang="en-US" altLang="zh-TW" sz="1200" dirty="0" err="1"/>
+                <a:t>M</a:t>
+              </a:r>
+              <a:r>
+                <a:rPr lang="en-US" altLang="zh-TW" sz="1200" dirty="0" err="1" smtClean="0"/>
+                <a:t>_Photo</a:t>
+              </a:r>
+              <a:endParaRPr lang="en-US" altLang="zh-TW" sz="1200" dirty="0" smtClean="0"/>
+            </a:p>
+            <a:p>
+              <a:r>
+                <a:rPr lang="en-US" altLang="zh-TW" sz="1200" dirty="0" err="1" smtClean="0"/>
+                <a:t>L_Photo</a:t>
+              </a:r>
+              <a:endParaRPr lang="zh-TW" altLang="en-US" sz="1200" b="1" dirty="0"/>
+            </a:p>
+          </p:txBody>
+        </p:sp>
+        <p:grpSp>
+          <p:nvGrpSpPr>
+            <p:cNvPr id="82" name="群組 81"/>
+            <p:cNvGrpSpPr/>
+            <p:nvPr/>
+          </p:nvGrpSpPr>
+          <p:grpSpPr>
+            <a:xfrm>
+              <a:off x="5862450" y="745903"/>
+              <a:ext cx="2311757" cy="3912113"/>
+              <a:chOff x="7036159" y="482266"/>
+              <a:chExt cx="2311757" cy="3912113"/>
+            </a:xfrm>
+          </p:grpSpPr>
+          <p:sp>
+            <p:nvSpPr>
+              <p:cNvPr id="58" name="矩形 57"/>
+              <p:cNvSpPr/>
+              <p:nvPr/>
+            </p:nvSpPr>
+            <p:spPr>
+              <a:xfrm>
+                <a:off x="7036159" y="1830407"/>
+                <a:ext cx="2311757" cy="2563972"/>
+              </a:xfrm>
+              <a:prstGeom prst="rect">
+                <a:avLst/>
+              </a:prstGeom>
+              <a:noFill/>
+              <a:ln>
+                <a:solidFill>
+                  <a:schemeClr val="tx1"/>
+                </a:solidFill>
+              </a:ln>
+            </p:spPr>
+            <p:style>
+              <a:lnRef idx="2">
+                <a:schemeClr val="accent1">
+                  <a:shade val="50000"/>
+                </a:schemeClr>
+              </a:lnRef>
+              <a:fillRef idx="1">
+                <a:schemeClr val="accent1"/>
+              </a:fillRef>
+              <a:effectRef idx="0">
+                <a:schemeClr val="accent1"/>
+              </a:effectRef>
+              <a:fontRef idx="minor">
+                <a:schemeClr val="lt1"/>
+              </a:fontRef>
+            </p:style>
+            <p:txBody>
+              <a:bodyPr rtlCol="0" anchor="ctr"/>
+              <a:lstStyle/>
+              <a:p>
+                <a:pPr algn="ctr"/>
+                <a:endParaRPr lang="en-US" altLang="zh-TW" dirty="0"/>
+              </a:p>
+              <a:p>
+                <a:pPr algn="ctr"/>
+                <a:endParaRPr lang="en-US" altLang="zh-TW" dirty="0" smtClean="0"/>
+              </a:p>
+              <a:p>
+                <a:pPr algn="ctr"/>
+                <a:endParaRPr lang="en-US" altLang="zh-TW" dirty="0"/>
+              </a:p>
+              <a:p>
+                <a:pPr algn="ctr"/>
+                <a:endParaRPr lang="en-US" altLang="zh-TW" dirty="0" smtClean="0"/>
+              </a:p>
+              <a:p>
+                <a:pPr algn="ctr"/>
+                <a:endParaRPr lang="en-US" altLang="zh-TW" dirty="0"/>
+              </a:p>
+              <a:p>
+                <a:pPr algn="ctr"/>
+                <a:endParaRPr lang="en-US" altLang="zh-TW" dirty="0" smtClean="0"/>
+              </a:p>
+              <a:p>
+                <a:pPr algn="ctr"/>
+                <a:endParaRPr lang="en-US" altLang="zh-TW" dirty="0" smtClean="0"/>
+              </a:p>
+              <a:p>
+                <a:pPr algn="ctr"/>
+                <a:r>
+                  <a:rPr lang="en-US" altLang="zh-TW" dirty="0" smtClean="0">
+                    <a:solidFill>
+                      <a:schemeClr val="tx1"/>
+                    </a:solidFill>
+                  </a:rPr>
+                  <a:t>RSP1</a:t>
+                </a:r>
+                <a:endParaRPr lang="en-US" altLang="zh-TW" dirty="0">
+                  <a:solidFill>
+                    <a:schemeClr val="tx1"/>
+                  </a:solidFill>
+                </a:endParaRPr>
+              </a:p>
+            </p:txBody>
+          </p:sp>
+          <p:sp>
+            <p:nvSpPr>
+              <p:cNvPr id="59" name="矩形 58"/>
+              <p:cNvSpPr/>
+              <p:nvPr/>
+            </p:nvSpPr>
+            <p:spPr>
+              <a:xfrm>
+                <a:off x="7036159" y="1830407"/>
+                <a:ext cx="2311757" cy="1901611"/>
+              </a:xfrm>
+              <a:prstGeom prst="rect">
+                <a:avLst/>
+              </a:prstGeom>
+              <a:solidFill>
+                <a:srgbClr val="0070C0"/>
+              </a:solidFill>
+            </p:spPr>
+            <p:style>
+              <a:lnRef idx="2">
+                <a:schemeClr val="accent1">
+                  <a:shade val="50000"/>
+                </a:schemeClr>
+              </a:lnRef>
+              <a:fillRef idx="1">
+                <a:schemeClr val="accent1"/>
+              </a:fillRef>
+              <a:effectRef idx="0">
+                <a:schemeClr val="accent1"/>
+              </a:effectRef>
+              <a:fontRef idx="minor">
+                <a:schemeClr val="lt1"/>
+              </a:fontRef>
+            </p:style>
+            <p:txBody>
+              <a:bodyPr rtlCol="0" anchor="ctr"/>
+              <a:lstStyle/>
+              <a:p>
+                <a:pPr algn="ctr"/>
+                <a:r>
+                  <a:rPr lang="en-US" altLang="zh-TW" dirty="0" smtClean="0"/>
+                  <a:t>Get image source </a:t>
+                </a:r>
+                <a:endParaRPr lang="en-US" altLang="zh-TW" dirty="0"/>
+              </a:p>
+              <a:p>
+                <a:pPr algn="ctr"/>
+                <a:endParaRPr lang="en-US" altLang="zh-TW" dirty="0" smtClean="0"/>
+              </a:p>
+              <a:p>
+                <a:pPr algn="ctr"/>
+                <a:r>
+                  <a:rPr lang="en-US" altLang="zh-TW" dirty="0" smtClean="0"/>
+                  <a:t>Distribute photos</a:t>
+                </a:r>
+                <a:endParaRPr lang="zh-TW" altLang="en-US" dirty="0"/>
+              </a:p>
+            </p:txBody>
+          </p:sp>
+          <p:sp>
+            <p:nvSpPr>
+              <p:cNvPr id="72" name="矩形 71"/>
+              <p:cNvSpPr/>
+              <p:nvPr/>
+            </p:nvSpPr>
+            <p:spPr>
+              <a:xfrm>
+                <a:off x="7646831" y="482266"/>
+                <a:ext cx="1090412" cy="886494"/>
+              </a:xfrm>
+              <a:prstGeom prst="rect">
+                <a:avLst/>
+              </a:prstGeom>
+              <a:solidFill>
+                <a:srgbClr val="FF0000"/>
+              </a:solidFill>
+            </p:spPr>
+            <p:style>
+              <a:lnRef idx="2">
+                <a:schemeClr val="accent1">
+                  <a:shade val="50000"/>
+                </a:schemeClr>
+              </a:lnRef>
+              <a:fillRef idx="1">
+                <a:schemeClr val="accent1"/>
+              </a:fillRef>
+              <a:effectRef idx="0">
+                <a:schemeClr val="accent1"/>
+              </a:effectRef>
+              <a:fontRef idx="minor">
+                <a:schemeClr val="lt1"/>
+              </a:fontRef>
+            </p:style>
+            <p:txBody>
+              <a:bodyPr rtlCol="0" anchor="ctr"/>
+              <a:lstStyle/>
+              <a:p>
+                <a:pPr algn="ctr"/>
+                <a:r>
+                  <a:rPr lang="en-US" altLang="zh-TW" dirty="0" smtClean="0"/>
+                  <a:t>MQTT</a:t>
+                </a:r>
+              </a:p>
+              <a:p>
+                <a:pPr algn="ctr"/>
+                <a:r>
+                  <a:rPr lang="en-US" altLang="zh-TW" dirty="0" smtClean="0"/>
+                  <a:t>Publish</a:t>
+                </a:r>
+              </a:p>
+              <a:p>
+                <a:pPr algn="ctr"/>
+                <a:r>
+                  <a:rPr lang="en-US" altLang="zh-TW" dirty="0" smtClean="0"/>
+                  <a:t>Broker</a:t>
+                </a:r>
+                <a:endParaRPr lang="zh-TW" altLang="en-US" dirty="0"/>
+              </a:p>
+            </p:txBody>
+          </p:sp>
+          <p:cxnSp>
+            <p:nvCxnSpPr>
+              <p:cNvPr id="74" name="直線單箭頭接點 73"/>
+              <p:cNvCxnSpPr>
+                <a:stCxn id="72" idx="2"/>
+                <a:endCxn id="59" idx="0"/>
+              </p:cNvCxnSpPr>
+              <p:nvPr/>
+            </p:nvCxnSpPr>
+            <p:spPr>
+              <a:xfrm>
+                <a:off x="8192037" y="1368760"/>
+                <a:ext cx="1" cy="461647"/>
+              </a:xfrm>
+              <a:prstGeom prst="straightConnector1">
+                <a:avLst/>
+              </a:prstGeom>
+              <a:ln>
+                <a:tailEnd type="triangle"/>
+              </a:ln>
+            </p:spPr>
+            <p:style>
+              <a:lnRef idx="1">
+                <a:schemeClr val="accent1"/>
+              </a:lnRef>
+              <a:fillRef idx="0">
+                <a:schemeClr val="accent1"/>
+              </a:fillRef>
+              <a:effectRef idx="0">
+                <a:schemeClr val="accent1"/>
+              </a:effectRef>
+              <a:fontRef idx="minor">
+                <a:schemeClr val="tx1"/>
+              </a:fontRef>
+            </p:style>
+          </p:cxnSp>
+        </p:grpSp>
+        <p:grpSp>
+          <p:nvGrpSpPr>
+            <p:cNvPr id="81" name="群組 80"/>
+            <p:cNvGrpSpPr/>
+            <p:nvPr/>
+          </p:nvGrpSpPr>
+          <p:grpSpPr>
+            <a:xfrm>
+              <a:off x="8670045" y="4658016"/>
+              <a:ext cx="1442434" cy="2199984"/>
+              <a:chOff x="9843754" y="4394379"/>
+              <a:chExt cx="1442434" cy="2199984"/>
+            </a:xfrm>
+          </p:grpSpPr>
+          <p:grpSp>
+            <p:nvGrpSpPr>
+              <p:cNvPr id="65" name="群組 64"/>
+              <p:cNvGrpSpPr/>
+              <p:nvPr/>
+            </p:nvGrpSpPr>
+            <p:grpSpPr>
+              <a:xfrm>
+                <a:off x="9843754" y="4394379"/>
+                <a:ext cx="1442434" cy="1545465"/>
+                <a:chOff x="772732" y="2509234"/>
+                <a:chExt cx="1442434" cy="1545465"/>
+              </a:xfrm>
+            </p:grpSpPr>
+            <p:sp>
+              <p:nvSpPr>
+                <p:cNvPr id="66" name="矩形 65"/>
+                <p:cNvSpPr/>
+                <p:nvPr/>
+              </p:nvSpPr>
+              <p:spPr>
+                <a:xfrm>
+                  <a:off x="772732" y="2509234"/>
+                  <a:ext cx="1442434" cy="1545465"/>
+                </a:xfrm>
+                <a:prstGeom prst="rect">
+                  <a:avLst/>
+                </a:prstGeom>
+                <a:noFill/>
+                <a:ln>
+                  <a:solidFill>
+                    <a:schemeClr val="tx1"/>
+                  </a:solidFill>
+                </a:ln>
+              </p:spPr>
+              <p:style>
+                <a:lnRef idx="2">
+                  <a:schemeClr val="accent1">
+                    <a:shade val="50000"/>
+                  </a:schemeClr>
+                </a:lnRef>
+                <a:fillRef idx="1">
+                  <a:schemeClr val="accent1"/>
+                </a:fillRef>
+                <a:effectRef idx="0">
+                  <a:schemeClr val="accent1"/>
+                </a:effectRef>
+                <a:fontRef idx="minor">
+                  <a:schemeClr val="lt1"/>
+                </a:fontRef>
+              </p:style>
+              <p:txBody>
+                <a:bodyPr rtlCol="0" anchor="ctr"/>
+                <a:lstStyle/>
+                <a:p>
+                  <a:pPr algn="ctr"/>
+                  <a:endParaRPr lang="en-US" altLang="zh-TW" dirty="0"/>
+                </a:p>
+                <a:p>
+                  <a:pPr algn="ctr"/>
+                  <a:endParaRPr lang="en-US" altLang="zh-TW" dirty="0" smtClean="0"/>
+                </a:p>
+                <a:p>
+                  <a:pPr algn="ctr"/>
+                  <a:endParaRPr lang="en-US" altLang="zh-TW" dirty="0"/>
+                </a:p>
+                <a:p>
+                  <a:pPr algn="ctr"/>
+                  <a:endParaRPr lang="en-US" altLang="zh-TW" dirty="0" smtClean="0"/>
+                </a:p>
+                <a:p>
+                  <a:pPr algn="ctr"/>
+                  <a:r>
+                    <a:rPr lang="en-US" altLang="zh-TW" dirty="0" smtClean="0">
+                      <a:solidFill>
+                        <a:schemeClr val="tx1"/>
+                      </a:solidFill>
+                    </a:rPr>
+                    <a:t>RSP3</a:t>
+                  </a:r>
+                  <a:endParaRPr lang="en-US" altLang="zh-TW" dirty="0">
+                    <a:solidFill>
+                      <a:schemeClr val="tx1"/>
+                    </a:solidFill>
+                  </a:endParaRPr>
+                </a:p>
+              </p:txBody>
+            </p:sp>
+            <p:sp>
+              <p:nvSpPr>
+                <p:cNvPr id="67" name="矩形 66"/>
+                <p:cNvSpPr/>
+                <p:nvPr/>
+              </p:nvSpPr>
+              <p:spPr>
+                <a:xfrm>
+                  <a:off x="772732" y="2509234"/>
+                  <a:ext cx="1442434" cy="1146219"/>
+                </a:xfrm>
+                <a:prstGeom prst="rect">
+                  <a:avLst/>
+                </a:prstGeom>
+                <a:solidFill>
+                  <a:srgbClr val="0070C0"/>
+                </a:solidFill>
+              </p:spPr>
+              <p:style>
+                <a:lnRef idx="2">
+                  <a:schemeClr val="accent1">
+                    <a:shade val="50000"/>
+                  </a:schemeClr>
+                </a:lnRef>
+                <a:fillRef idx="1">
+                  <a:schemeClr val="accent1"/>
+                </a:fillRef>
+                <a:effectRef idx="0">
+                  <a:schemeClr val="accent1"/>
+                </a:effectRef>
+                <a:fontRef idx="minor">
+                  <a:schemeClr val="lt1"/>
+                </a:fontRef>
+              </p:style>
+              <p:txBody>
+                <a:bodyPr rtlCol="0" anchor="ctr"/>
+                <a:lstStyle/>
+                <a:p>
+                  <a:pPr algn="ctr"/>
+                  <a:r>
+                    <a:rPr lang="en-US" altLang="zh-TW" dirty="0"/>
+                    <a:t>Stitch photo</a:t>
+                  </a:r>
+                </a:p>
+                <a:p>
+                  <a:pPr algn="ctr"/>
+                  <a:r>
+                    <a:rPr lang="en-US" altLang="zh-TW" dirty="0"/>
+                    <a:t>(</a:t>
+                  </a:r>
+                  <a:r>
+                    <a:rPr lang="en-US" altLang="zh-TW" dirty="0" smtClean="0"/>
+                    <a:t>M)</a:t>
+                  </a:r>
+                  <a:r>
+                    <a:rPr lang="zh-TW" altLang="en-US" dirty="0" smtClean="0"/>
+                    <a:t> </a:t>
+                  </a:r>
+                  <a:r>
+                    <a:rPr lang="en-US" altLang="zh-TW" dirty="0" smtClean="0"/>
+                    <a:t> (L)</a:t>
+                  </a:r>
+                  <a:endParaRPr lang="zh-TW" altLang="en-US" dirty="0"/>
+                </a:p>
+              </p:txBody>
+            </p:sp>
+          </p:grpSp>
+          <p:sp>
+            <p:nvSpPr>
+              <p:cNvPr id="76" name="矩形 75"/>
+              <p:cNvSpPr/>
+              <p:nvPr/>
+            </p:nvSpPr>
+            <p:spPr>
+              <a:xfrm>
+                <a:off x="9843754" y="6049851"/>
+                <a:ext cx="1442434" cy="544512"/>
+              </a:xfrm>
+              <a:prstGeom prst="rect">
+                <a:avLst/>
+              </a:prstGeom>
+              <a:solidFill>
+                <a:srgbClr val="FF0000"/>
+              </a:solidFill>
+            </p:spPr>
+            <p:style>
+              <a:lnRef idx="2">
+                <a:schemeClr val="accent1">
+                  <a:shade val="50000"/>
+                </a:schemeClr>
+              </a:lnRef>
+              <a:fillRef idx="1">
+                <a:schemeClr val="accent1"/>
+              </a:fillRef>
+              <a:effectRef idx="0">
+                <a:schemeClr val="accent1"/>
+              </a:effectRef>
+              <a:fontRef idx="minor">
+                <a:schemeClr val="lt1"/>
+              </a:fontRef>
+            </p:style>
+            <p:txBody>
+              <a:bodyPr rtlCol="0" anchor="ctr"/>
+              <a:lstStyle/>
+              <a:p>
+                <a:pPr algn="ctr"/>
+                <a:r>
+                  <a:rPr lang="en-US" altLang="zh-TW" dirty="0" smtClean="0"/>
+                  <a:t>MQTT</a:t>
+                </a:r>
+              </a:p>
+              <a:p>
+                <a:pPr algn="ctr"/>
+                <a:r>
+                  <a:rPr lang="en-US" altLang="zh-TW" dirty="0" smtClean="0"/>
+                  <a:t>Subscriber</a:t>
+                </a:r>
+                <a:endParaRPr lang="zh-TW" altLang="en-US" dirty="0"/>
+              </a:p>
+            </p:txBody>
+          </p:sp>
+        </p:grpSp>
+        <p:grpSp>
+          <p:nvGrpSpPr>
+            <p:cNvPr id="80" name="群組 79"/>
+            <p:cNvGrpSpPr/>
+            <p:nvPr/>
+          </p:nvGrpSpPr>
+          <p:grpSpPr>
+            <a:xfrm>
+              <a:off x="8670045" y="-105940"/>
+              <a:ext cx="1442434" cy="2199984"/>
+              <a:chOff x="9843754" y="-369577"/>
+              <a:chExt cx="1442434" cy="2199984"/>
+            </a:xfrm>
+          </p:grpSpPr>
+          <p:grpSp>
+            <p:nvGrpSpPr>
+              <p:cNvPr id="62" name="群組 61"/>
+              <p:cNvGrpSpPr/>
+              <p:nvPr/>
+            </p:nvGrpSpPr>
+            <p:grpSpPr>
+              <a:xfrm>
+                <a:off x="9843754" y="284942"/>
+                <a:ext cx="1442434" cy="1545465"/>
+                <a:chOff x="772732" y="2509234"/>
+                <a:chExt cx="1442434" cy="1545465"/>
+              </a:xfrm>
+            </p:grpSpPr>
+            <p:sp>
+              <p:nvSpPr>
+                <p:cNvPr id="63" name="矩形 62"/>
+                <p:cNvSpPr/>
+                <p:nvPr/>
+              </p:nvSpPr>
+              <p:spPr>
+                <a:xfrm>
+                  <a:off x="772732" y="2509234"/>
+                  <a:ext cx="1442434" cy="1545465"/>
+                </a:xfrm>
+                <a:prstGeom prst="rect">
+                  <a:avLst/>
+                </a:prstGeom>
+                <a:noFill/>
+                <a:ln>
+                  <a:solidFill>
+                    <a:schemeClr val="tx1"/>
+                  </a:solidFill>
+                </a:ln>
+              </p:spPr>
+              <p:style>
+                <a:lnRef idx="2">
+                  <a:schemeClr val="accent1">
+                    <a:shade val="50000"/>
+                  </a:schemeClr>
+                </a:lnRef>
+                <a:fillRef idx="1">
+                  <a:schemeClr val="accent1"/>
+                </a:fillRef>
+                <a:effectRef idx="0">
+                  <a:schemeClr val="accent1"/>
+                </a:effectRef>
+                <a:fontRef idx="minor">
+                  <a:schemeClr val="lt1"/>
+                </a:fontRef>
+              </p:style>
+              <p:txBody>
+                <a:bodyPr rtlCol="0" anchor="ctr"/>
+                <a:lstStyle/>
+                <a:p>
+                  <a:pPr algn="ctr"/>
+                  <a:endParaRPr lang="en-US" altLang="zh-TW" dirty="0"/>
+                </a:p>
+                <a:p>
+                  <a:pPr algn="ctr"/>
+                  <a:endParaRPr lang="en-US" altLang="zh-TW" dirty="0" smtClean="0"/>
+                </a:p>
+                <a:p>
+                  <a:pPr algn="ctr"/>
+                  <a:endParaRPr lang="en-US" altLang="zh-TW" dirty="0"/>
+                </a:p>
+                <a:p>
+                  <a:pPr algn="ctr"/>
+                  <a:endParaRPr lang="en-US" altLang="zh-TW" dirty="0" smtClean="0"/>
+                </a:p>
+                <a:p>
+                  <a:pPr algn="ctr"/>
+                  <a:r>
+                    <a:rPr lang="en-US" altLang="zh-TW" dirty="0" smtClean="0">
+                      <a:solidFill>
+                        <a:schemeClr val="tx1"/>
+                      </a:solidFill>
+                    </a:rPr>
+                    <a:t>RSP2</a:t>
+                  </a:r>
+                  <a:endParaRPr lang="en-US" altLang="zh-TW" dirty="0">
+                    <a:solidFill>
+                      <a:schemeClr val="tx1"/>
+                    </a:solidFill>
+                  </a:endParaRPr>
+                </a:p>
+              </p:txBody>
+            </p:sp>
+            <p:sp>
+              <p:nvSpPr>
+                <p:cNvPr id="64" name="矩形 63"/>
+                <p:cNvSpPr/>
+                <p:nvPr/>
+              </p:nvSpPr>
+              <p:spPr>
+                <a:xfrm>
+                  <a:off x="772732" y="2509234"/>
+                  <a:ext cx="1442434" cy="1146219"/>
+                </a:xfrm>
+                <a:prstGeom prst="rect">
+                  <a:avLst/>
+                </a:prstGeom>
+                <a:solidFill>
+                  <a:srgbClr val="0070C0"/>
+                </a:solidFill>
+              </p:spPr>
+              <p:style>
+                <a:lnRef idx="2">
+                  <a:schemeClr val="accent1">
+                    <a:shade val="50000"/>
+                  </a:schemeClr>
+                </a:lnRef>
+                <a:fillRef idx="1">
+                  <a:schemeClr val="accent1"/>
+                </a:fillRef>
+                <a:effectRef idx="0">
+                  <a:schemeClr val="accent1"/>
+                </a:effectRef>
+                <a:fontRef idx="minor">
+                  <a:schemeClr val="lt1"/>
+                </a:fontRef>
+              </p:style>
+              <p:txBody>
+                <a:bodyPr rtlCol="0" anchor="ctr"/>
+                <a:lstStyle/>
+                <a:p>
+                  <a:pPr algn="ctr"/>
+                  <a:r>
+                    <a:rPr lang="en-US" altLang="zh-TW" dirty="0" smtClean="0"/>
+                    <a:t>Stitch photo</a:t>
+                  </a:r>
+                </a:p>
+                <a:p>
+                  <a:pPr algn="ctr"/>
+                  <a:r>
+                    <a:rPr lang="en-US" altLang="zh-TW" dirty="0" smtClean="0"/>
+                    <a:t>(R)</a:t>
+                  </a:r>
+                  <a:r>
+                    <a:rPr lang="zh-TW" altLang="en-US" dirty="0" smtClean="0"/>
+                    <a:t> </a:t>
+                  </a:r>
+                  <a:r>
+                    <a:rPr lang="en-US" altLang="zh-TW" dirty="0" smtClean="0"/>
+                    <a:t> (M)</a:t>
+                  </a:r>
+                  <a:endParaRPr lang="zh-TW" altLang="en-US" dirty="0"/>
+                </a:p>
+              </p:txBody>
+            </p:sp>
+          </p:grpSp>
+          <p:sp>
+            <p:nvSpPr>
+              <p:cNvPr id="77" name="矩形 76"/>
+              <p:cNvSpPr/>
+              <p:nvPr/>
+            </p:nvSpPr>
+            <p:spPr>
+              <a:xfrm>
+                <a:off x="9843754" y="-369577"/>
+                <a:ext cx="1442434" cy="544512"/>
+              </a:xfrm>
+              <a:prstGeom prst="rect">
+                <a:avLst/>
+              </a:prstGeom>
+              <a:solidFill>
+                <a:srgbClr val="FF0000"/>
+              </a:solidFill>
+            </p:spPr>
+            <p:style>
+              <a:lnRef idx="2">
+                <a:schemeClr val="accent1">
+                  <a:shade val="50000"/>
+                </a:schemeClr>
+              </a:lnRef>
+              <a:fillRef idx="1">
+                <a:schemeClr val="accent1"/>
+              </a:fillRef>
+              <a:effectRef idx="0">
+                <a:schemeClr val="accent1"/>
+              </a:effectRef>
+              <a:fontRef idx="minor">
+                <a:schemeClr val="lt1"/>
+              </a:fontRef>
+            </p:style>
+            <p:txBody>
+              <a:bodyPr rtlCol="0" anchor="ctr"/>
+              <a:lstStyle/>
+              <a:p>
+                <a:pPr algn="ctr"/>
+                <a:r>
+                  <a:rPr lang="en-US" altLang="zh-TW" dirty="0" smtClean="0"/>
+                  <a:t>MQTT</a:t>
+                </a:r>
+              </a:p>
+              <a:p>
+                <a:pPr algn="ctr"/>
+                <a:r>
+                  <a:rPr lang="en-US" altLang="zh-TW" dirty="0" smtClean="0"/>
+                  <a:t>Subscriber</a:t>
+                </a:r>
+                <a:endParaRPr lang="zh-TW" altLang="en-US" dirty="0"/>
+              </a:p>
+            </p:txBody>
+          </p:sp>
+        </p:grpSp>
+        <p:cxnSp>
+          <p:nvCxnSpPr>
+            <p:cNvPr id="84" name="肘形接點 83"/>
+            <p:cNvCxnSpPr>
+              <a:stCxn id="59" idx="3"/>
+              <a:endCxn id="63" idx="2"/>
+            </p:cNvCxnSpPr>
+            <p:nvPr/>
+          </p:nvCxnSpPr>
+          <p:spPr>
+            <a:xfrm flipV="1">
+              <a:off x="8174207" y="2094044"/>
+              <a:ext cx="1217055" cy="950806"/>
+            </a:xfrm>
+            <a:prstGeom prst="bentConnector2">
+              <a:avLst/>
+            </a:prstGeom>
+            <a:ln w="28575">
+              <a:solidFill>
+                <a:schemeClr val="tx1"/>
+              </a:solidFill>
+              <a:tailEnd type="triangle"/>
+            </a:ln>
+          </p:spPr>
+          <p:style>
+            <a:lnRef idx="1">
+              <a:schemeClr val="accent1"/>
+            </a:lnRef>
+            <a:fillRef idx="0">
+              <a:schemeClr val="accent1"/>
+            </a:fillRef>
+            <a:effectRef idx="0">
+              <a:schemeClr val="accent1"/>
+            </a:effectRef>
+            <a:fontRef idx="minor">
+              <a:schemeClr val="tx1"/>
+            </a:fontRef>
+          </p:style>
+        </p:cxnSp>
+        <p:cxnSp>
+          <p:nvCxnSpPr>
+            <p:cNvPr id="90" name="肘形接點 89"/>
+            <p:cNvCxnSpPr>
+              <a:endCxn id="67" idx="0"/>
+            </p:cNvCxnSpPr>
+            <p:nvPr/>
+          </p:nvCxnSpPr>
+          <p:spPr>
+            <a:xfrm>
+              <a:off x="8174207" y="3500265"/>
+              <a:ext cx="1217055" cy="1157751"/>
+            </a:xfrm>
+            <a:prstGeom prst="bentConnector2">
+              <a:avLst/>
+            </a:prstGeom>
+            <a:ln w="28575">
+              <a:solidFill>
+                <a:schemeClr val="tx1"/>
+              </a:solidFill>
+              <a:tailEnd type="triangle"/>
+            </a:ln>
+          </p:spPr>
+          <p:style>
+            <a:lnRef idx="1">
+              <a:schemeClr val="accent1"/>
+            </a:lnRef>
+            <a:fillRef idx="0">
+              <a:schemeClr val="accent1"/>
+            </a:fillRef>
+            <a:effectRef idx="0">
+              <a:schemeClr val="accent1"/>
+            </a:effectRef>
+            <a:fontRef idx="minor">
+              <a:schemeClr val="tx1"/>
+            </a:fontRef>
+          </p:style>
+        </p:cxnSp>
+        <p:sp>
+          <p:nvSpPr>
+            <p:cNvPr id="94" name="文字方塊 93"/>
+            <p:cNvSpPr txBox="1"/>
+            <p:nvPr/>
+          </p:nvSpPr>
+          <p:spPr>
+            <a:xfrm>
+              <a:off x="8405868" y="2412114"/>
+              <a:ext cx="795411" cy="646331"/>
+            </a:xfrm>
+            <a:prstGeom prst="rect">
+              <a:avLst/>
+            </a:prstGeom>
+            <a:noFill/>
+          </p:spPr>
+          <p:txBody>
+            <a:bodyPr wrap="none" rtlCol="0">
+              <a:spAutoFit/>
+            </a:bodyPr>
+            <a:lstStyle/>
+            <a:p>
+              <a:r>
+                <a:rPr lang="en-US" altLang="zh-TW" sz="1200" b="1" dirty="0" smtClean="0"/>
+                <a:t>3.</a:t>
+              </a:r>
+            </a:p>
+            <a:p>
+              <a:r>
+                <a:rPr lang="en-US" altLang="zh-TW" sz="1200" dirty="0" err="1" smtClean="0"/>
+                <a:t>R_Photo</a:t>
+              </a:r>
+              <a:endParaRPr lang="en-US" altLang="zh-TW" sz="1200" dirty="0" smtClean="0"/>
+            </a:p>
+            <a:p>
+              <a:r>
+                <a:rPr lang="en-US" altLang="zh-TW" sz="1200" dirty="0" err="1" smtClean="0"/>
+                <a:t>M_Photo</a:t>
+              </a:r>
+              <a:endParaRPr lang="zh-TW" altLang="en-US" sz="1200" dirty="0"/>
+            </a:p>
+          </p:txBody>
+        </p:sp>
+        <p:sp>
+          <p:nvSpPr>
+            <p:cNvPr id="95" name="文字方塊 94"/>
+            <p:cNvSpPr txBox="1"/>
+            <p:nvPr/>
+          </p:nvSpPr>
+          <p:spPr>
+            <a:xfrm>
+              <a:off x="8405867" y="3508012"/>
+              <a:ext cx="795411" cy="646331"/>
+            </a:xfrm>
+            <a:prstGeom prst="rect">
+              <a:avLst/>
+            </a:prstGeom>
+            <a:noFill/>
+          </p:spPr>
+          <p:txBody>
+            <a:bodyPr wrap="none" rtlCol="0">
+              <a:spAutoFit/>
+            </a:bodyPr>
+            <a:lstStyle/>
+            <a:p>
+              <a:r>
+                <a:rPr lang="en-US" altLang="zh-TW" sz="1200" b="1" dirty="0" smtClean="0"/>
+                <a:t>3.</a:t>
+              </a:r>
+            </a:p>
+            <a:p>
+              <a:r>
+                <a:rPr lang="en-US" altLang="zh-TW" sz="1200" dirty="0" err="1"/>
+                <a:t>M</a:t>
+              </a:r>
+              <a:r>
+                <a:rPr lang="en-US" altLang="zh-TW" sz="1200" dirty="0" err="1" smtClean="0"/>
+                <a:t>_Photo</a:t>
+              </a:r>
+              <a:endParaRPr lang="en-US" altLang="zh-TW" sz="1200" dirty="0" smtClean="0"/>
+            </a:p>
+            <a:p>
+              <a:r>
+                <a:rPr lang="en-US" altLang="zh-TW" sz="1200" dirty="0" err="1"/>
+                <a:t>L</a:t>
+              </a:r>
+              <a:r>
+                <a:rPr lang="en-US" altLang="zh-TW" sz="1200" dirty="0" err="1" smtClean="0"/>
+                <a:t>_Photo</a:t>
+              </a:r>
+              <a:endParaRPr lang="zh-TW" altLang="en-US" sz="1200" dirty="0"/>
+            </a:p>
+          </p:txBody>
+        </p:sp>
+        <p:sp>
+          <p:nvSpPr>
+            <p:cNvPr id="96" name="圓角矩形 95"/>
+            <p:cNvSpPr/>
+            <p:nvPr/>
+          </p:nvSpPr>
+          <p:spPr>
+            <a:xfrm>
+              <a:off x="9600544" y="2508199"/>
+              <a:ext cx="419928" cy="1507634"/>
+            </a:xfrm>
+            <a:prstGeom prst="roundRect">
+              <a:avLst/>
+            </a:prstGeom>
+          </p:spPr>
+          <p:style>
+            <a:lnRef idx="2">
+              <a:schemeClr val="accent1">
+                <a:shade val="50000"/>
+              </a:schemeClr>
+            </a:lnRef>
+            <a:fillRef idx="1">
+              <a:schemeClr val="accent1"/>
+            </a:fillRef>
+            <a:effectRef idx="0">
+              <a:schemeClr val="accent1"/>
+            </a:effectRef>
+            <a:fontRef idx="minor">
+              <a:schemeClr val="lt1"/>
+            </a:fontRef>
+          </p:style>
+          <p:txBody>
+            <a:bodyPr rtlCol="0" anchor="ctr"/>
+            <a:lstStyle/>
+            <a:p>
+              <a:pPr algn="ctr"/>
+              <a:r>
+                <a:rPr lang="en-US" altLang="zh-TW" dirty="0" smtClean="0"/>
+                <a:t>MQTT</a:t>
+              </a:r>
+            </a:p>
+          </p:txBody>
+        </p:sp>
+        <p:cxnSp>
+          <p:nvCxnSpPr>
+            <p:cNvPr id="98" name="肘形接點 97"/>
+            <p:cNvCxnSpPr>
+              <a:stCxn id="63" idx="3"/>
+              <a:endCxn id="70" idx="0"/>
+            </p:cNvCxnSpPr>
+            <p:nvPr/>
+          </p:nvCxnSpPr>
+          <p:spPr>
+            <a:xfrm>
+              <a:off x="10112479" y="1321312"/>
+              <a:ext cx="930499" cy="1287447"/>
+            </a:xfrm>
+            <a:prstGeom prst="bentConnector2">
+              <a:avLst/>
+            </a:prstGeom>
+            <a:ln w="28575">
+              <a:solidFill>
+                <a:schemeClr val="tx1"/>
+              </a:solidFill>
+              <a:tailEnd type="triangle"/>
+            </a:ln>
+          </p:spPr>
+          <p:style>
+            <a:lnRef idx="1">
+              <a:schemeClr val="accent1"/>
+            </a:lnRef>
+            <a:fillRef idx="0">
+              <a:schemeClr val="accent1"/>
+            </a:fillRef>
+            <a:effectRef idx="0">
+              <a:schemeClr val="accent1"/>
+            </a:effectRef>
+            <a:fontRef idx="minor">
+              <a:schemeClr val="tx1"/>
+            </a:fontRef>
+          </p:style>
+        </p:cxnSp>
+        <p:cxnSp>
+          <p:nvCxnSpPr>
+            <p:cNvPr id="100" name="肘形接點 99"/>
+            <p:cNvCxnSpPr>
+              <a:stCxn id="66" idx="3"/>
+              <a:endCxn id="69" idx="2"/>
+            </p:cNvCxnSpPr>
+            <p:nvPr/>
+          </p:nvCxnSpPr>
+          <p:spPr>
+            <a:xfrm flipV="1">
+              <a:off x="10112479" y="4154224"/>
+              <a:ext cx="930499" cy="1276525"/>
+            </a:xfrm>
+            <a:prstGeom prst="bentConnector2">
+              <a:avLst/>
+            </a:prstGeom>
+            <a:ln w="28575">
+              <a:solidFill>
+                <a:schemeClr val="tx1"/>
+              </a:solidFill>
+              <a:tailEnd type="triangle"/>
+            </a:ln>
+          </p:spPr>
+          <p:style>
+            <a:lnRef idx="1">
+              <a:schemeClr val="accent1"/>
+            </a:lnRef>
+            <a:fillRef idx="0">
+              <a:schemeClr val="accent1"/>
+            </a:fillRef>
+            <a:effectRef idx="0">
+              <a:schemeClr val="accent1"/>
+            </a:effectRef>
+            <a:fontRef idx="minor">
+              <a:schemeClr val="tx1"/>
+            </a:fontRef>
+          </p:style>
+        </p:cxnSp>
+        <p:grpSp>
+          <p:nvGrpSpPr>
+            <p:cNvPr id="105" name="群組 104"/>
+            <p:cNvGrpSpPr/>
+            <p:nvPr/>
+          </p:nvGrpSpPr>
+          <p:grpSpPr>
+            <a:xfrm>
+              <a:off x="10307790" y="1910383"/>
+              <a:ext cx="1456405" cy="2243841"/>
+              <a:chOff x="10307790" y="1910383"/>
+              <a:chExt cx="1456405" cy="2243841"/>
+            </a:xfrm>
+          </p:grpSpPr>
+          <p:grpSp>
+            <p:nvGrpSpPr>
+              <p:cNvPr id="68" name="群組 67"/>
+              <p:cNvGrpSpPr/>
+              <p:nvPr/>
+            </p:nvGrpSpPr>
+            <p:grpSpPr>
+              <a:xfrm>
+                <a:off x="10321761" y="2608759"/>
+                <a:ext cx="1442434" cy="1545465"/>
+                <a:chOff x="772732" y="2509234"/>
+                <a:chExt cx="1442434" cy="1545465"/>
+              </a:xfrm>
+            </p:grpSpPr>
+            <p:sp>
+              <p:nvSpPr>
+                <p:cNvPr id="69" name="矩形 68"/>
+                <p:cNvSpPr/>
+                <p:nvPr/>
+              </p:nvSpPr>
+              <p:spPr>
+                <a:xfrm>
+                  <a:off x="772732" y="2509234"/>
+                  <a:ext cx="1442434" cy="1545465"/>
+                </a:xfrm>
+                <a:prstGeom prst="rect">
+                  <a:avLst/>
+                </a:prstGeom>
+                <a:noFill/>
+                <a:ln>
+                  <a:solidFill>
+                    <a:schemeClr val="tx1"/>
+                  </a:solidFill>
+                </a:ln>
+              </p:spPr>
+              <p:style>
+                <a:lnRef idx="2">
+                  <a:schemeClr val="accent1">
+                    <a:shade val="50000"/>
+                  </a:schemeClr>
+                </a:lnRef>
+                <a:fillRef idx="1">
+                  <a:schemeClr val="accent1"/>
+                </a:fillRef>
+                <a:effectRef idx="0">
+                  <a:schemeClr val="accent1"/>
+                </a:effectRef>
+                <a:fontRef idx="minor">
+                  <a:schemeClr val="lt1"/>
+                </a:fontRef>
+              </p:style>
+              <p:txBody>
+                <a:bodyPr rtlCol="0" anchor="ctr"/>
+                <a:lstStyle/>
+                <a:p>
+                  <a:pPr algn="ctr"/>
+                  <a:endParaRPr lang="en-US" altLang="zh-TW" dirty="0"/>
+                </a:p>
+                <a:p>
+                  <a:pPr algn="ctr"/>
+                  <a:endParaRPr lang="en-US" altLang="zh-TW" dirty="0" smtClean="0"/>
+                </a:p>
+                <a:p>
+                  <a:pPr algn="ctr"/>
+                  <a:endParaRPr lang="en-US" altLang="zh-TW" dirty="0"/>
+                </a:p>
+                <a:p>
+                  <a:pPr algn="ctr"/>
+                  <a:endParaRPr lang="en-US" altLang="zh-TW" dirty="0" smtClean="0"/>
+                </a:p>
+                <a:p>
+                  <a:pPr algn="ctr"/>
+                  <a:r>
+                    <a:rPr lang="en-US" altLang="zh-TW" dirty="0" smtClean="0">
+                      <a:solidFill>
+                        <a:schemeClr val="tx1"/>
+                      </a:solidFill>
+                    </a:rPr>
+                    <a:t>RSP4</a:t>
+                  </a:r>
+                  <a:endParaRPr lang="en-US" altLang="zh-TW" dirty="0">
+                    <a:solidFill>
+                      <a:schemeClr val="tx1"/>
+                    </a:solidFill>
+                  </a:endParaRPr>
+                </a:p>
+              </p:txBody>
+            </p:sp>
+            <p:sp>
+              <p:nvSpPr>
+                <p:cNvPr id="70" name="矩形 69"/>
+                <p:cNvSpPr/>
+                <p:nvPr/>
+              </p:nvSpPr>
+              <p:spPr>
+                <a:xfrm>
+                  <a:off x="772732" y="2509234"/>
+                  <a:ext cx="1442434" cy="1146219"/>
+                </a:xfrm>
+                <a:prstGeom prst="rect">
+                  <a:avLst/>
+                </a:prstGeom>
+                <a:solidFill>
+                  <a:srgbClr val="0070C0"/>
+                </a:solidFill>
+              </p:spPr>
+              <p:style>
+                <a:lnRef idx="2">
+                  <a:schemeClr val="accent1">
+                    <a:shade val="50000"/>
+                  </a:schemeClr>
+                </a:lnRef>
+                <a:fillRef idx="1">
+                  <a:schemeClr val="accent1"/>
+                </a:fillRef>
+                <a:effectRef idx="0">
+                  <a:schemeClr val="accent1"/>
+                </a:effectRef>
+                <a:fontRef idx="minor">
+                  <a:schemeClr val="lt1"/>
+                </a:fontRef>
+              </p:style>
+              <p:txBody>
+                <a:bodyPr rtlCol="0" anchor="ctr"/>
+                <a:lstStyle/>
+                <a:p>
+                  <a:pPr algn="ctr"/>
+                  <a:r>
+                    <a:rPr lang="en-US" altLang="zh-TW" dirty="0"/>
+                    <a:t>Stitch </a:t>
+                  </a:r>
+                  <a:r>
+                    <a:rPr lang="en-US" altLang="zh-TW" dirty="0" smtClean="0"/>
+                    <a:t>photo</a:t>
+                  </a:r>
+                </a:p>
+                <a:p>
+                  <a:pPr algn="ctr"/>
+                  <a:r>
+                    <a:rPr lang="en-US" altLang="zh-TW" dirty="0" smtClean="0"/>
+                    <a:t>(R-M)</a:t>
+                  </a:r>
+                  <a:r>
+                    <a:rPr lang="zh-TW" altLang="en-US" dirty="0"/>
+                    <a:t> </a:t>
+                  </a:r>
+                  <a:r>
+                    <a:rPr lang="zh-TW" altLang="en-US" dirty="0" smtClean="0"/>
+                    <a:t> </a:t>
+                  </a:r>
+                  <a:r>
+                    <a:rPr lang="en-US" altLang="zh-TW" dirty="0" smtClean="0"/>
+                    <a:t>(M-L</a:t>
+                  </a:r>
+                  <a:r>
+                    <a:rPr lang="en-US" altLang="zh-TW" dirty="0"/>
+                    <a:t>)</a:t>
+                  </a:r>
+                  <a:endParaRPr lang="zh-TW" altLang="en-US" dirty="0"/>
+                </a:p>
+              </p:txBody>
+            </p:sp>
+          </p:grpSp>
+          <p:sp>
+            <p:nvSpPr>
+              <p:cNvPr id="78" name="矩形 77"/>
+              <p:cNvSpPr/>
+              <p:nvPr/>
+            </p:nvSpPr>
+            <p:spPr>
+              <a:xfrm>
+                <a:off x="10307790" y="1910383"/>
+                <a:ext cx="1442434" cy="544512"/>
+              </a:xfrm>
+              <a:prstGeom prst="rect">
+                <a:avLst/>
+              </a:prstGeom>
+              <a:solidFill>
+                <a:srgbClr val="FF0000"/>
+              </a:solidFill>
+            </p:spPr>
+            <p:style>
+              <a:lnRef idx="2">
+                <a:schemeClr val="accent1">
+                  <a:shade val="50000"/>
+                </a:schemeClr>
+              </a:lnRef>
+              <a:fillRef idx="1">
+                <a:schemeClr val="accent1"/>
+              </a:fillRef>
+              <a:effectRef idx="0">
+                <a:schemeClr val="accent1"/>
+              </a:effectRef>
+              <a:fontRef idx="minor">
+                <a:schemeClr val="lt1"/>
+              </a:fontRef>
+            </p:style>
+            <p:txBody>
+              <a:bodyPr rtlCol="0" anchor="ctr"/>
+              <a:lstStyle/>
+              <a:p>
+                <a:pPr algn="ctr"/>
+                <a:r>
+                  <a:rPr lang="en-US" altLang="zh-TW" dirty="0" smtClean="0"/>
+                  <a:t>MQTT</a:t>
+                </a:r>
+              </a:p>
+              <a:p>
+                <a:pPr algn="ctr"/>
+                <a:r>
+                  <a:rPr lang="en-US" altLang="zh-TW" dirty="0" smtClean="0"/>
+                  <a:t>Subscriber</a:t>
+                </a:r>
+                <a:endParaRPr lang="zh-TW" altLang="en-US" dirty="0"/>
+              </a:p>
+            </p:txBody>
+          </p:sp>
+        </p:grpSp>
+        <p:sp>
+          <p:nvSpPr>
+            <p:cNvPr id="102" name="文字方塊 101"/>
+            <p:cNvSpPr txBox="1"/>
+            <p:nvPr/>
+          </p:nvSpPr>
+          <p:spPr>
+            <a:xfrm>
+              <a:off x="10112915" y="4980889"/>
+              <a:ext cx="930063" cy="461665"/>
+            </a:xfrm>
+            <a:prstGeom prst="rect">
+              <a:avLst/>
+            </a:prstGeom>
+            <a:noFill/>
+          </p:spPr>
+          <p:txBody>
+            <a:bodyPr wrap="none" rtlCol="0">
+              <a:spAutoFit/>
+            </a:bodyPr>
+            <a:lstStyle/>
+            <a:p>
+              <a:r>
+                <a:rPr lang="en-US" altLang="zh-TW" sz="1200" b="1" dirty="0"/>
+                <a:t>4</a:t>
+              </a:r>
+              <a:r>
+                <a:rPr lang="en-US" altLang="zh-TW" sz="1200" b="1" dirty="0" smtClean="0"/>
+                <a:t>.</a:t>
+              </a:r>
+            </a:p>
+            <a:p>
+              <a:r>
+                <a:rPr lang="en-US" altLang="zh-TW" sz="1200" dirty="0" smtClean="0"/>
+                <a:t>M-</a:t>
+              </a:r>
+              <a:r>
+                <a:rPr lang="en-US" altLang="zh-TW" sz="1200" dirty="0" err="1" smtClean="0"/>
+                <a:t>L_Photo</a:t>
+              </a:r>
+              <a:endParaRPr lang="en-US" altLang="zh-TW" sz="1200" dirty="0" smtClean="0"/>
+            </a:p>
+          </p:txBody>
+        </p:sp>
+        <p:sp>
+          <p:nvSpPr>
+            <p:cNvPr id="104" name="文字方塊 103"/>
+            <p:cNvSpPr txBox="1"/>
+            <p:nvPr/>
+          </p:nvSpPr>
+          <p:spPr>
+            <a:xfrm>
+              <a:off x="10112915" y="1340511"/>
+              <a:ext cx="942887" cy="461665"/>
+            </a:xfrm>
+            <a:prstGeom prst="rect">
+              <a:avLst/>
+            </a:prstGeom>
+            <a:noFill/>
+          </p:spPr>
+          <p:txBody>
+            <a:bodyPr wrap="none" rtlCol="0">
+              <a:spAutoFit/>
+            </a:bodyPr>
+            <a:lstStyle/>
+            <a:p>
+              <a:r>
+                <a:rPr lang="en-US" altLang="zh-TW" sz="1200" b="1" dirty="0"/>
+                <a:t>4</a:t>
+              </a:r>
+              <a:r>
+                <a:rPr lang="en-US" altLang="zh-TW" sz="1200" b="1" dirty="0" smtClean="0"/>
+                <a:t>.</a:t>
+              </a:r>
+            </a:p>
+            <a:p>
+              <a:r>
+                <a:rPr lang="en-US" altLang="zh-TW" sz="1200" dirty="0" smtClean="0"/>
+                <a:t>R-</a:t>
+              </a:r>
+              <a:r>
+                <a:rPr lang="en-US" altLang="zh-TW" sz="1200" dirty="0" err="1" smtClean="0"/>
+                <a:t>M_Photo</a:t>
+              </a:r>
+              <a:endParaRPr lang="en-US" altLang="zh-TW" sz="1200" dirty="0" smtClean="0"/>
+            </a:p>
+          </p:txBody>
+        </p:sp>
+        <p:grpSp>
+          <p:nvGrpSpPr>
+            <p:cNvPr id="106" name="群組 105"/>
+            <p:cNvGrpSpPr/>
+            <p:nvPr/>
+          </p:nvGrpSpPr>
+          <p:grpSpPr>
+            <a:xfrm>
+              <a:off x="13231368" y="2603297"/>
+              <a:ext cx="1499615" cy="1545465"/>
+              <a:chOff x="772732" y="734096"/>
+              <a:chExt cx="1442434" cy="1545465"/>
+            </a:xfrm>
+          </p:grpSpPr>
+          <p:sp>
+            <p:nvSpPr>
+              <p:cNvPr id="107" name="矩形 106"/>
+              <p:cNvSpPr/>
+              <p:nvPr/>
+            </p:nvSpPr>
+            <p:spPr>
+              <a:xfrm>
+                <a:off x="772732" y="734096"/>
+                <a:ext cx="1442434" cy="1545465"/>
+              </a:xfrm>
+              <a:prstGeom prst="rect">
+                <a:avLst/>
+              </a:prstGeom>
+              <a:noFill/>
+              <a:ln>
+                <a:solidFill>
+                  <a:schemeClr val="tx1"/>
+                </a:solidFill>
+              </a:ln>
+            </p:spPr>
+            <p:style>
+              <a:lnRef idx="2">
+                <a:schemeClr val="accent1">
+                  <a:shade val="50000"/>
+                </a:schemeClr>
+              </a:lnRef>
+              <a:fillRef idx="1">
+                <a:schemeClr val="accent1"/>
+              </a:fillRef>
+              <a:effectRef idx="0">
+                <a:schemeClr val="accent1"/>
+              </a:effectRef>
+              <a:fontRef idx="minor">
+                <a:schemeClr val="lt1"/>
+              </a:fontRef>
+            </p:style>
+            <p:txBody>
+              <a:bodyPr rtlCol="0" anchor="ctr"/>
+              <a:lstStyle/>
+              <a:p>
+                <a:pPr algn="ctr"/>
+                <a:endParaRPr lang="en-US" altLang="zh-TW" dirty="0"/>
+              </a:p>
+              <a:p>
+                <a:pPr algn="ctr"/>
+                <a:endParaRPr lang="en-US" altLang="zh-TW" dirty="0" smtClean="0"/>
+              </a:p>
+              <a:p>
+                <a:pPr algn="ctr"/>
+                <a:endParaRPr lang="en-US" altLang="zh-TW" dirty="0"/>
+              </a:p>
+              <a:p>
+                <a:pPr algn="ctr"/>
+                <a:endParaRPr lang="en-US" altLang="zh-TW" dirty="0" smtClean="0"/>
+              </a:p>
+              <a:p>
+                <a:pPr algn="ctr"/>
+                <a:r>
+                  <a:rPr lang="en-US" altLang="zh-TW" dirty="0" smtClean="0">
+                    <a:solidFill>
+                      <a:schemeClr val="tx1"/>
+                    </a:solidFill>
+                  </a:rPr>
+                  <a:t>UI</a:t>
+                </a:r>
+                <a:endParaRPr lang="en-US" altLang="zh-TW" dirty="0">
+                  <a:solidFill>
+                    <a:schemeClr val="tx1"/>
+                  </a:solidFill>
+                </a:endParaRPr>
+              </a:p>
+            </p:txBody>
+          </p:sp>
+          <p:sp>
+            <p:nvSpPr>
+              <p:cNvPr id="108" name="矩形 107"/>
+              <p:cNvSpPr/>
+              <p:nvPr/>
+            </p:nvSpPr>
+            <p:spPr>
+              <a:xfrm>
+                <a:off x="772732" y="734096"/>
+                <a:ext cx="1442434" cy="1146219"/>
+              </a:xfrm>
+              <a:prstGeom prst="rect">
+                <a:avLst/>
+              </a:prstGeom>
+              <a:solidFill>
+                <a:srgbClr val="0070C0"/>
+              </a:solidFill>
+            </p:spPr>
+            <p:style>
+              <a:lnRef idx="2">
+                <a:schemeClr val="accent1">
+                  <a:shade val="50000"/>
+                </a:schemeClr>
+              </a:lnRef>
+              <a:fillRef idx="1">
+                <a:schemeClr val="accent1"/>
+              </a:fillRef>
+              <a:effectRef idx="0">
+                <a:schemeClr val="accent1"/>
+              </a:effectRef>
+              <a:fontRef idx="minor">
+                <a:schemeClr val="lt1"/>
+              </a:fontRef>
+            </p:style>
+            <p:txBody>
+              <a:bodyPr rtlCol="0" anchor="ctr"/>
+              <a:lstStyle/>
+              <a:p>
+                <a:pPr algn="ctr"/>
+                <a:r>
+                  <a:rPr lang="en-US" altLang="zh-TW" dirty="0" smtClean="0"/>
+                  <a:t>Display</a:t>
+                </a:r>
+              </a:p>
+              <a:p>
+                <a:pPr algn="ctr"/>
+                <a:r>
+                  <a:rPr lang="en-US" altLang="zh-TW" dirty="0" smtClean="0"/>
+                  <a:t>Video</a:t>
+                </a:r>
+              </a:p>
+              <a:p>
+                <a:pPr algn="ctr"/>
+                <a:r>
+                  <a:rPr lang="en-US" altLang="zh-TW" dirty="0" smtClean="0"/>
+                  <a:t>Surveillance</a:t>
+                </a:r>
+                <a:endParaRPr lang="zh-TW" altLang="en-US" dirty="0"/>
+              </a:p>
+            </p:txBody>
+          </p:sp>
+        </p:grpSp>
+        <p:cxnSp>
+          <p:nvCxnSpPr>
+            <p:cNvPr id="110" name="直線單箭頭接點 109"/>
+            <p:cNvCxnSpPr>
+              <a:endCxn id="107" idx="1"/>
+            </p:cNvCxnSpPr>
+            <p:nvPr/>
+          </p:nvCxnSpPr>
+          <p:spPr>
+            <a:xfrm>
+              <a:off x="11764195" y="3376030"/>
+              <a:ext cx="1467173" cy="0"/>
+            </a:xfrm>
+            <a:prstGeom prst="straightConnector1">
+              <a:avLst/>
+            </a:prstGeom>
+            <a:ln w="28575">
+              <a:solidFill>
+                <a:schemeClr val="tx1"/>
+              </a:solidFill>
+              <a:prstDash val="dash"/>
+              <a:tailEnd type="triangle"/>
+            </a:ln>
+          </p:spPr>
+          <p:style>
+            <a:lnRef idx="1">
+              <a:schemeClr val="accent1"/>
+            </a:lnRef>
+            <a:fillRef idx="0">
+              <a:schemeClr val="accent1"/>
+            </a:fillRef>
+            <a:effectRef idx="0">
+              <a:schemeClr val="accent1"/>
+            </a:effectRef>
+            <a:fontRef idx="minor">
+              <a:schemeClr val="tx1"/>
+            </a:fontRef>
+          </p:style>
+        </p:cxnSp>
+        <p:sp>
+          <p:nvSpPr>
+            <p:cNvPr id="111" name="圓角矩形 110"/>
+            <p:cNvSpPr/>
+            <p:nvPr/>
+          </p:nvSpPr>
+          <p:spPr>
+            <a:xfrm>
+              <a:off x="12644292" y="1528519"/>
+              <a:ext cx="296214" cy="3711263"/>
+            </a:xfrm>
+            <a:prstGeom prst="roundRect">
+              <a:avLst/>
+            </a:prstGeom>
+          </p:spPr>
+          <p:style>
+            <a:lnRef idx="2">
+              <a:schemeClr val="accent1">
+                <a:shade val="50000"/>
+              </a:schemeClr>
+            </a:lnRef>
+            <a:fillRef idx="1">
+              <a:schemeClr val="accent1"/>
+            </a:fillRef>
+            <a:effectRef idx="0">
+              <a:schemeClr val="accent1"/>
+            </a:effectRef>
+            <a:fontRef idx="minor">
+              <a:schemeClr val="lt1"/>
+            </a:fontRef>
+          </p:style>
+          <p:txBody>
+            <a:bodyPr rtlCol="0" anchor="ctr"/>
+            <a:lstStyle/>
+            <a:p>
+              <a:pPr algn="ctr"/>
+              <a:r>
+                <a:rPr lang="en-US" altLang="zh-TW" dirty="0" smtClean="0"/>
+                <a:t>UDP</a:t>
+              </a:r>
+            </a:p>
+          </p:txBody>
+        </p:sp>
+        <p:sp>
+          <p:nvSpPr>
+            <p:cNvPr id="113" name="文字方塊 112"/>
+            <p:cNvSpPr txBox="1"/>
+            <p:nvPr/>
+          </p:nvSpPr>
+          <p:spPr>
+            <a:xfrm>
+              <a:off x="11863904" y="2692865"/>
+              <a:ext cx="628826" cy="646331"/>
+            </a:xfrm>
+            <a:prstGeom prst="rect">
+              <a:avLst/>
+            </a:prstGeom>
+            <a:noFill/>
+          </p:spPr>
+          <p:txBody>
+            <a:bodyPr wrap="none" rtlCol="0">
+              <a:spAutoFit/>
+            </a:bodyPr>
+            <a:lstStyle/>
+            <a:p>
+              <a:r>
+                <a:rPr lang="en-US" altLang="zh-TW" sz="1200" b="1" dirty="0" smtClean="0"/>
+                <a:t>5.</a:t>
+              </a:r>
+            </a:p>
+            <a:p>
+              <a:r>
+                <a:rPr lang="en-US" altLang="zh-TW" sz="1200" dirty="0" smtClean="0"/>
+                <a:t>Finish</a:t>
+              </a:r>
+            </a:p>
+            <a:p>
+              <a:r>
+                <a:rPr lang="en-US" altLang="zh-TW" sz="1200" dirty="0" smtClean="0"/>
+                <a:t>Image</a:t>
+              </a:r>
+              <a:endParaRPr lang="zh-TW" altLang="en-US" sz="1200" dirty="0"/>
+            </a:p>
+          </p:txBody>
+        </p:sp>
+      </p:grpSp>
+    </p:spTree>
+    <p:extLst>
+      <p:ext uri="{BB962C8B-B14F-4D97-AF65-F5344CB8AC3E}">
+        <p14:creationId xmlns:p14="http://schemas.microsoft.com/office/powerpoint/2010/main" val="3184356288"/>
+      </p:ext>
+    </p:extLst>
+  </p:cSld>
+  <p:clrMapOvr>
+    <a:masterClrMapping/>
+  </p:clrMapOvr>
+  <mc:AlternateContent xmlns:mc="http://schemas.openxmlformats.org/markup-compatibility/2006">
+    <mc:Choice xmlns:p14="http://schemas.microsoft.com/office/powerpoint/2010/main" Requires="p14">
+      <p:transition spd="slow" p14:dur="2000"/>
+    </mc:Choice>
+    <mc:Fallback>
+      <p:transition spd="slow"/>
+    </mc:Fallback>
+  </mc:AlternateContent>
+  <p:timing>
+    <p:tnLst>
+      <p:par>
+        <p:cTn id="1" dur="indefinite" restart="never" nodeType="tmRoot"/>
+      </p:par>
+    </p:tnLst>
+  </p:timing>
+</p:sld>
+</file>
+
+<file path=ppt/slides/slide6.xml><?xml version="1.0" encoding="utf-8"?>
 <p:sld xmlns:a="http://schemas.openxmlformats.org/drawingml/2006/main" xmlns:r="http://schemas.openxmlformats.org/officeDocument/2006/relationships" xmlns:p="http://schemas.openxmlformats.org/presentationml/2006/main">
   <p:cSld>
     <p:spTree>
@@ -12978,7 +14394,7 @@
 </p:sld>
 </file>
 
-<file path=ppt/slides/slide6.xml><?xml version="1.0" encoding="utf-8"?>
+<file path=ppt/slides/slide7.xml><?xml version="1.0" encoding="utf-8"?>
 <p:sld xmlns:a="http://schemas.openxmlformats.org/drawingml/2006/main" xmlns:r="http://schemas.openxmlformats.org/officeDocument/2006/relationships" xmlns:p="http://schemas.openxmlformats.org/presentationml/2006/main">
   <p:cSld>
     <p:spTree>

--- a/0509分析報告.pptx
+++ b/0509分析報告.pptx
@@ -10501,7 +10501,7 @@
       </p:grpSp>
       <p:pic>
         <p:nvPicPr>
-          <p:cNvPr id="3" name="內容版面配置區 2"/>
+          <p:cNvPr id="10" name="內容版面配置區 9"/>
           <p:cNvPicPr>
             <a:picLocks noGrp="1" noChangeAspect="1"/>
           </p:cNvPicPr>
@@ -10523,8 +10523,8 @@
         </p:blipFill>
         <p:spPr>
           <a:xfrm>
-            <a:off x="608946" y="1653967"/>
-            <a:ext cx="11112000" cy="5019147"/>
+            <a:off x="561829" y="1653967"/>
+            <a:ext cx="11194795" cy="5056545"/>
           </a:xfrm>
         </p:spPr>
       </p:pic>
@@ -10573,7 +10573,7 @@
         </p:nvGrpSpPr>
         <p:grpSpPr>
           <a:xfrm>
-            <a:off x="-1122194" y="-105940"/>
+            <a:off x="-1292648" y="-105940"/>
             <a:ext cx="15853177" cy="6963940"/>
             <a:chOff x="-1122194" y="-105940"/>
             <a:chExt cx="15853177" cy="6963940"/>
@@ -11517,7 +11517,7 @@
                 <a:pPr algn="ctr"/>
                 <a:r>
                   <a:rPr lang="en-US" altLang="zh-TW" dirty="0" smtClean="0"/>
-                  <a:t>4.5G/5G</a:t>
+                  <a:t>4G/5G</a:t>
                 </a:r>
                 <a:endParaRPr lang="zh-TW" altLang="en-US" dirty="0"/>
               </a:p>
@@ -13373,6 +13373,53 @@
           </p:txBody>
         </p:sp>
       </p:grpSp>
+      <p:sp>
+        <p:nvSpPr>
+          <p:cNvPr id="73" name="矩形 72"/>
+          <p:cNvSpPr/>
+          <p:nvPr/>
+        </p:nvSpPr>
+        <p:spPr>
+          <a:xfrm>
+            <a:off x="13414309" y="1992527"/>
+            <a:ext cx="1146220" cy="544512"/>
+          </a:xfrm>
+          <a:prstGeom prst="rect">
+            <a:avLst/>
+          </a:prstGeom>
+          <a:solidFill>
+            <a:srgbClr val="FF0000"/>
+          </a:solidFill>
+        </p:spPr>
+        <p:style>
+          <a:lnRef idx="2">
+            <a:schemeClr val="accent1">
+              <a:shade val="50000"/>
+            </a:schemeClr>
+          </a:lnRef>
+          <a:fillRef idx="1">
+            <a:schemeClr val="accent1"/>
+          </a:fillRef>
+          <a:effectRef idx="0">
+            <a:schemeClr val="accent1"/>
+          </a:effectRef>
+          <a:fontRef idx="minor">
+            <a:schemeClr val="lt1"/>
+          </a:fontRef>
+        </p:style>
+        <p:txBody>
+          <a:bodyPr rtlCol="0" anchor="ctr"/>
+          <a:lstStyle/>
+          <a:p>
+            <a:pPr algn="ctr"/>
+            <a:r>
+              <a:rPr lang="en-US" altLang="zh-TW" dirty="0" smtClean="0"/>
+              <a:t>Ethernet</a:t>
+            </a:r>
+            <a:endParaRPr lang="zh-TW" altLang="en-US" dirty="0"/>
+          </a:p>
+        </p:txBody>
+      </p:sp>
     </p:spTree>
     <p:extLst>
       <p:ext uri="{BB962C8B-B14F-4D97-AF65-F5344CB8AC3E}">
@@ -13383,11 +13430,11 @@
   <p:clrMapOvr>
     <a:masterClrMapping/>
   </p:clrMapOvr>
-  <mc:AlternateContent xmlns:mc="http://schemas.openxmlformats.org/markup-compatibility/2006">
-    <mc:Choice xmlns:p14="http://schemas.microsoft.com/office/powerpoint/2010/main" Requires="p14">
+  <mc:AlternateContent xmlns:mc="http://schemas.openxmlformats.org/markup-compatibility/2006" xmlns:p14="http://schemas.microsoft.com/office/powerpoint/2010/main">
+    <mc:Choice Requires="p14">
       <p:transition spd="slow" p14:dur="2000"/>
     </mc:Choice>
-    <mc:Fallback>
+    <mc:Fallback xmlns="">
       <p:transition spd="slow"/>
     </mc:Fallback>
   </mc:AlternateContent>
